--- a/數獨.pptx
+++ b/數獨.pptx
@@ -13,7 +13,11 @@
     <p:sldId id="265" r:id="rId7"/>
     <p:sldId id="266" r:id="rId8"/>
     <p:sldId id="263" r:id="rId9"/>
-    <p:sldId id="264" r:id="rId10"/>
+    <p:sldId id="268" r:id="rId10"/>
+    <p:sldId id="269" r:id="rId11"/>
+    <p:sldId id="270" r:id="rId12"/>
+    <p:sldId id="271" r:id="rId13"/>
+    <p:sldId id="264" r:id="rId14"/>
   </p:sldIdLst>
   <p:sldSz cx="12192000" cy="6858000"/>
   <p:notesSz cx="6858000" cy="9144000"/>
@@ -112,6 +116,11 @@
       </a:defRPr>
     </a:lvl9pPr>
   </p:defaultTextStyle>
+  <p:extLst>
+    <p:ext uri="{EFAFB233-063F-42B5-8137-9DF3F51BA10A}">
+      <p15:sldGuideLst xmlns:p15="http://schemas.microsoft.com/office/powerpoint/2012/main"/>
+    </p:ext>
+  </p:extLst>
 </p:presentation>
 </file>
 
@@ -246,7 +255,7 @@
           <a:p>
             <a:fld id="{954A3423-CE74-4634-8FA2-2356EE019AEC}" type="datetimeFigureOut">
               <a:rPr lang="zh-TW" altLang="en-US" smtClean="0"/>
-              <a:t>2024/6/17</a:t>
+              <a:t>2024/6/18</a:t>
             </a:fld>
             <a:endParaRPr lang="zh-TW" altLang="en-US"/>
           </a:p>
@@ -416,7 +425,7 @@
           <a:p>
             <a:fld id="{954A3423-CE74-4634-8FA2-2356EE019AEC}" type="datetimeFigureOut">
               <a:rPr lang="zh-TW" altLang="en-US" smtClean="0"/>
-              <a:t>2024/6/17</a:t>
+              <a:t>2024/6/18</a:t>
             </a:fld>
             <a:endParaRPr lang="zh-TW" altLang="en-US"/>
           </a:p>
@@ -596,7 +605,7 @@
           <a:p>
             <a:fld id="{954A3423-CE74-4634-8FA2-2356EE019AEC}" type="datetimeFigureOut">
               <a:rPr lang="zh-TW" altLang="en-US" smtClean="0"/>
-              <a:t>2024/6/17</a:t>
+              <a:t>2024/6/18</a:t>
             </a:fld>
             <a:endParaRPr lang="zh-TW" altLang="en-US"/>
           </a:p>
@@ -766,7 +775,7 @@
           <a:p>
             <a:fld id="{954A3423-CE74-4634-8FA2-2356EE019AEC}" type="datetimeFigureOut">
               <a:rPr lang="zh-TW" altLang="en-US" smtClean="0"/>
-              <a:t>2024/6/17</a:t>
+              <a:t>2024/6/18</a:t>
             </a:fld>
             <a:endParaRPr lang="zh-TW" altLang="en-US"/>
           </a:p>
@@ -1012,7 +1021,7 @@
           <a:p>
             <a:fld id="{954A3423-CE74-4634-8FA2-2356EE019AEC}" type="datetimeFigureOut">
               <a:rPr lang="zh-TW" altLang="en-US" smtClean="0"/>
-              <a:t>2024/6/17</a:t>
+              <a:t>2024/6/18</a:t>
             </a:fld>
             <a:endParaRPr lang="zh-TW" altLang="en-US"/>
           </a:p>
@@ -1244,7 +1253,7 @@
           <a:p>
             <a:fld id="{954A3423-CE74-4634-8FA2-2356EE019AEC}" type="datetimeFigureOut">
               <a:rPr lang="zh-TW" altLang="en-US" smtClean="0"/>
-              <a:t>2024/6/17</a:t>
+              <a:t>2024/6/18</a:t>
             </a:fld>
             <a:endParaRPr lang="zh-TW" altLang="en-US"/>
           </a:p>
@@ -1611,7 +1620,7 @@
           <a:p>
             <a:fld id="{954A3423-CE74-4634-8FA2-2356EE019AEC}" type="datetimeFigureOut">
               <a:rPr lang="zh-TW" altLang="en-US" smtClean="0"/>
-              <a:t>2024/6/17</a:t>
+              <a:t>2024/6/18</a:t>
             </a:fld>
             <a:endParaRPr lang="zh-TW" altLang="en-US"/>
           </a:p>
@@ -1729,7 +1738,7 @@
           <a:p>
             <a:fld id="{954A3423-CE74-4634-8FA2-2356EE019AEC}" type="datetimeFigureOut">
               <a:rPr lang="zh-TW" altLang="en-US" smtClean="0"/>
-              <a:t>2024/6/17</a:t>
+              <a:t>2024/6/18</a:t>
             </a:fld>
             <a:endParaRPr lang="zh-TW" altLang="en-US"/>
           </a:p>
@@ -1824,7 +1833,7 @@
           <a:p>
             <a:fld id="{954A3423-CE74-4634-8FA2-2356EE019AEC}" type="datetimeFigureOut">
               <a:rPr lang="zh-TW" altLang="en-US" smtClean="0"/>
-              <a:t>2024/6/17</a:t>
+              <a:t>2024/6/18</a:t>
             </a:fld>
             <a:endParaRPr lang="zh-TW" altLang="en-US"/>
           </a:p>
@@ -2101,7 +2110,7 @@
           <a:p>
             <a:fld id="{954A3423-CE74-4634-8FA2-2356EE019AEC}" type="datetimeFigureOut">
               <a:rPr lang="zh-TW" altLang="en-US" smtClean="0"/>
-              <a:t>2024/6/17</a:t>
+              <a:t>2024/6/18</a:t>
             </a:fld>
             <a:endParaRPr lang="zh-TW" altLang="en-US"/>
           </a:p>
@@ -2358,7 +2367,7 @@
           <a:p>
             <a:fld id="{954A3423-CE74-4634-8FA2-2356EE019AEC}" type="datetimeFigureOut">
               <a:rPr lang="zh-TW" altLang="en-US" smtClean="0"/>
-              <a:t>2024/6/17</a:t>
+              <a:t>2024/6/18</a:t>
             </a:fld>
             <a:endParaRPr lang="zh-TW" altLang="en-US"/>
           </a:p>
@@ -2571,7 +2580,7 @@
           <a:p>
             <a:fld id="{954A3423-CE74-4634-8FA2-2356EE019AEC}" type="datetimeFigureOut">
               <a:rPr lang="zh-TW" altLang="en-US" smtClean="0"/>
-              <a:t>2024/6/17</a:t>
+              <a:t>2024/6/18</a:t>
             </a:fld>
             <a:endParaRPr lang="zh-TW" altLang="en-US"/>
           </a:p>
@@ -3190,6 +3199,1499 @@
 </p:sld>
 </file>
 
+<file path=ppt/slides/slide10.xml><?xml version="1.0" encoding="utf-8"?>
+<p:sld xmlns:a="http://schemas.openxmlformats.org/drawingml/2006/main" xmlns:r="http://schemas.openxmlformats.org/officeDocument/2006/relationships" xmlns:p="http://schemas.openxmlformats.org/presentationml/2006/main">
+  <p:cSld>
+    <p:spTree>
+      <p:nvGrpSpPr>
+        <p:cNvPr id="1" name=""/>
+        <p:cNvGrpSpPr/>
+        <p:nvPr/>
+      </p:nvGrpSpPr>
+      <p:grpSpPr>
+        <a:xfrm>
+          <a:off x="0" y="0"/>
+          <a:ext cx="0" cy="0"/>
+          <a:chOff x="0" y="0"/>
+          <a:chExt cx="0" cy="0"/>
+        </a:xfrm>
+      </p:grpSpPr>
+      <p:sp>
+        <p:nvSpPr>
+          <p:cNvPr id="2" name="標題 1">
+            <a:extLst>
+              <a:ext uri="{FF2B5EF4-FFF2-40B4-BE49-F238E27FC236}">
+                <a16:creationId xmlns:a16="http://schemas.microsoft.com/office/drawing/2014/main" id="{9931E958-7D6E-8B57-C1DA-545D7CA6A4CA}"/>
+              </a:ext>
+            </a:extLst>
+          </p:cNvPr>
+          <p:cNvSpPr>
+            <a:spLocks noGrp="1"/>
+          </p:cNvSpPr>
+          <p:nvPr>
+            <p:ph type="title"/>
+          </p:nvPr>
+        </p:nvSpPr>
+        <p:spPr>
+          <a:xfrm>
+            <a:off x="754179" y="365125"/>
+            <a:ext cx="10515600" cy="1325563"/>
+          </a:xfrm>
+        </p:spPr>
+        <p:txBody>
+          <a:bodyPr>
+            <a:normAutofit/>
+          </a:bodyPr>
+          <a:lstStyle/>
+          <a:p>
+            <a:r>
+              <a:rPr lang="zh-TW" altLang="en-US" sz="6000" b="1" i="0" dirty="0">
+                <a:solidFill>
+                  <a:srgbClr val="1F2328"/>
+                </a:solidFill>
+                <a:effectLst/>
+                <a:highlight>
+                  <a:srgbClr val="FFFFFF"/>
+                </a:highlight>
+                <a:latin typeface="微軟正黑體" panose="020B0604030504040204" pitchFamily="34" charset="-120"/>
+                <a:ea typeface="微軟正黑體" panose="020B0604030504040204" pitchFamily="34" charset="-120"/>
+              </a:rPr>
+              <a:t>程式畫面截圖</a:t>
+            </a:r>
+            <a:endParaRPr lang="zh-TW" altLang="en-US" sz="6000" dirty="0">
+              <a:latin typeface="微軟正黑體" panose="020B0604030504040204" pitchFamily="34" charset="-120"/>
+              <a:ea typeface="微軟正黑體" panose="020B0604030504040204" pitchFamily="34" charset="-120"/>
+            </a:endParaRPr>
+          </a:p>
+        </p:txBody>
+      </p:sp>
+      <p:sp>
+        <p:nvSpPr>
+          <p:cNvPr id="10" name="文字方塊 9">
+            <a:extLst>
+              <a:ext uri="{FF2B5EF4-FFF2-40B4-BE49-F238E27FC236}">
+                <a16:creationId xmlns:a16="http://schemas.microsoft.com/office/drawing/2014/main" id="{B153F692-7046-499D-5EC2-D5D142FB759F}"/>
+              </a:ext>
+            </a:extLst>
+          </p:cNvPr>
+          <p:cNvSpPr txBox="1"/>
+          <p:nvPr/>
+        </p:nvSpPr>
+        <p:spPr>
+          <a:xfrm>
+            <a:off x="754178" y="1830216"/>
+            <a:ext cx="4071822" cy="1200329"/>
+          </a:xfrm>
+          <a:prstGeom prst="rect">
+            <a:avLst/>
+          </a:prstGeom>
+          <a:noFill/>
+        </p:spPr>
+        <p:txBody>
+          <a:bodyPr wrap="square" rtlCol="0">
+            <a:spAutoFit/>
+          </a:bodyPr>
+          <a:lstStyle/>
+          <a:p>
+            <a:pPr marL="0" marR="0" lvl="0" indent="0" algn="l" defTabSz="457200" rtl="0" eaLnBrk="1" fontAlgn="auto" latinLnBrk="0" hangingPunct="1">
+              <a:lnSpc>
+                <a:spcPct val="100000"/>
+              </a:lnSpc>
+              <a:spcBef>
+                <a:spcPts val="0"/>
+              </a:spcBef>
+              <a:spcAft>
+                <a:spcPts val="0"/>
+              </a:spcAft>
+              <a:buClrTx/>
+              <a:buSzTx/>
+              <a:buFontTx/>
+              <a:buNone/>
+              <a:tabLst/>
+              <a:defRPr/>
+            </a:pPr>
+            <a:r>
+              <a:rPr kumimoji="0" lang="zh-TW" altLang="en-US" sz="3600" b="1" i="0" u="none" strike="noStrike" kern="1200" cap="none" spc="0" normalizeH="0" baseline="0" noProof="0" dirty="0">
+                <a:ln>
+                  <a:noFill/>
+                </a:ln>
+                <a:solidFill>
+                  <a:prstClr val="black"/>
+                </a:solidFill>
+                <a:effectLst/>
+                <a:uLnTx/>
+                <a:uFillTx/>
+                <a:latin typeface="微軟正黑體" panose="020B0604030504040204" pitchFamily="34" charset="-120"/>
+                <a:ea typeface="微軟正黑體" panose="020B0604030504040204" pitchFamily="34" charset="-120"/>
+                <a:cs typeface="+mn-cs"/>
+              </a:rPr>
+              <a:t>輸入要修改的數字</a:t>
+            </a:r>
+            <a:endParaRPr kumimoji="0" lang="en-US" altLang="zh-TW" sz="3600" b="1" i="0" u="none" strike="noStrike" kern="1200" cap="none" spc="0" normalizeH="0" baseline="0" noProof="0" dirty="0">
+              <a:ln>
+                <a:noFill/>
+              </a:ln>
+              <a:solidFill>
+                <a:prstClr val="black"/>
+              </a:solidFill>
+              <a:effectLst/>
+              <a:uLnTx/>
+              <a:uFillTx/>
+              <a:latin typeface="微軟正黑體" panose="020B0604030504040204" pitchFamily="34" charset="-120"/>
+              <a:ea typeface="微軟正黑體" panose="020B0604030504040204" pitchFamily="34" charset="-120"/>
+              <a:cs typeface="+mn-cs"/>
+            </a:endParaRPr>
+          </a:p>
+          <a:p>
+            <a:pPr marL="0" marR="0" lvl="0" indent="0" algn="l" defTabSz="457200" rtl="0" eaLnBrk="1" fontAlgn="auto" latinLnBrk="0" hangingPunct="1">
+              <a:lnSpc>
+                <a:spcPct val="100000"/>
+              </a:lnSpc>
+              <a:spcBef>
+                <a:spcPts val="0"/>
+              </a:spcBef>
+              <a:spcAft>
+                <a:spcPts val="0"/>
+              </a:spcAft>
+              <a:buClrTx/>
+              <a:buSzTx/>
+              <a:buFontTx/>
+              <a:buNone/>
+              <a:tabLst/>
+              <a:defRPr/>
+            </a:pPr>
+            <a:r>
+              <a:rPr lang="en-US" altLang="zh-TW" sz="3600" b="1" dirty="0">
+                <a:solidFill>
+                  <a:prstClr val="black"/>
+                </a:solidFill>
+                <a:latin typeface="微軟正黑體" panose="020B0604030504040204" pitchFamily="34" charset="-120"/>
+                <a:ea typeface="微軟正黑體" panose="020B0604030504040204" pitchFamily="34" charset="-120"/>
+              </a:rPr>
+              <a:t>(</a:t>
+            </a:r>
+            <a:r>
+              <a:rPr lang="zh-TW" altLang="en-US" sz="3600" b="1" dirty="0">
+                <a:solidFill>
+                  <a:prstClr val="black"/>
+                </a:solidFill>
+                <a:latin typeface="微軟正黑體" panose="020B0604030504040204" pitchFamily="34" charset="-120"/>
+                <a:ea typeface="微軟正黑體" panose="020B0604030504040204" pitchFamily="34" charset="-120"/>
+              </a:rPr>
+              <a:t>行 列 修改的數字</a:t>
+            </a:r>
+            <a:r>
+              <a:rPr lang="en-US" altLang="zh-TW" sz="3600" b="1" dirty="0">
+                <a:solidFill>
+                  <a:prstClr val="black"/>
+                </a:solidFill>
+                <a:latin typeface="微軟正黑體" panose="020B0604030504040204" pitchFamily="34" charset="-120"/>
+                <a:ea typeface="微軟正黑體" panose="020B0604030504040204" pitchFamily="34" charset="-120"/>
+              </a:rPr>
+              <a:t>)</a:t>
+            </a:r>
+            <a:endParaRPr kumimoji="0" lang="zh-TW" altLang="en-US" sz="3600" b="1" i="0" u="none" strike="noStrike" kern="1200" cap="none" spc="0" normalizeH="0" baseline="0" noProof="0" dirty="0">
+              <a:ln>
+                <a:noFill/>
+              </a:ln>
+              <a:solidFill>
+                <a:prstClr val="black"/>
+              </a:solidFill>
+              <a:effectLst/>
+              <a:uLnTx/>
+              <a:uFillTx/>
+              <a:latin typeface="微軟正黑體" panose="020B0604030504040204" pitchFamily="34" charset="-120"/>
+              <a:ea typeface="微軟正黑體" panose="020B0604030504040204" pitchFamily="34" charset="-120"/>
+              <a:cs typeface="+mn-cs"/>
+            </a:endParaRPr>
+          </a:p>
+        </p:txBody>
+      </p:sp>
+      <p:sp>
+        <p:nvSpPr>
+          <p:cNvPr id="11" name="文字方塊 10">
+            <a:extLst>
+              <a:ext uri="{FF2B5EF4-FFF2-40B4-BE49-F238E27FC236}">
+                <a16:creationId xmlns:a16="http://schemas.microsoft.com/office/drawing/2014/main" id="{6B5578E6-9EAD-29AA-1D8C-17D7E090AC33}"/>
+              </a:ext>
+            </a:extLst>
+          </p:cNvPr>
+          <p:cNvSpPr txBox="1"/>
+          <p:nvPr/>
+        </p:nvSpPr>
+        <p:spPr>
+          <a:xfrm>
+            <a:off x="7040878" y="1831632"/>
+            <a:ext cx="2954655" cy="646331"/>
+          </a:xfrm>
+          <a:prstGeom prst="rect">
+            <a:avLst/>
+          </a:prstGeom>
+          <a:noFill/>
+        </p:spPr>
+        <p:txBody>
+          <a:bodyPr wrap="none" rtlCol="0">
+            <a:spAutoFit/>
+          </a:bodyPr>
+          <a:lstStyle/>
+          <a:p>
+            <a:pPr marL="0" marR="0" lvl="0" indent="0" algn="l" defTabSz="457200" rtl="0" eaLnBrk="1" fontAlgn="auto" latinLnBrk="0" hangingPunct="1">
+              <a:lnSpc>
+                <a:spcPct val="100000"/>
+              </a:lnSpc>
+              <a:spcBef>
+                <a:spcPts val="0"/>
+              </a:spcBef>
+              <a:spcAft>
+                <a:spcPts val="0"/>
+              </a:spcAft>
+              <a:buClrTx/>
+              <a:buSzTx/>
+              <a:buFontTx/>
+              <a:buNone/>
+              <a:tabLst/>
+              <a:defRPr/>
+            </a:pPr>
+            <a:r>
+              <a:rPr lang="zh-TW" altLang="en-US" sz="3600" b="1" dirty="0">
+                <a:solidFill>
+                  <a:srgbClr val="1F2328"/>
+                </a:solidFill>
+                <a:highlight>
+                  <a:srgbClr val="FFFFFF"/>
+                </a:highlight>
+                <a:latin typeface="微軟正黑體" panose="020B0604030504040204" pitchFamily="34" charset="-120"/>
+                <a:ea typeface="微軟正黑體" panose="020B0604030504040204" pitchFamily="34" charset="-120"/>
+              </a:rPr>
+              <a:t>填</a:t>
+            </a:r>
+            <a:r>
+              <a:rPr kumimoji="0" lang="zh-TW" altLang="en-US" sz="3600" b="1" i="0" u="none" strike="noStrike" kern="1200" cap="none" spc="0" normalizeH="0" baseline="0" noProof="0" dirty="0">
+                <a:ln>
+                  <a:noFill/>
+                </a:ln>
+                <a:solidFill>
+                  <a:srgbClr val="1F2328"/>
+                </a:solidFill>
+                <a:effectLst/>
+                <a:highlight>
+                  <a:srgbClr val="FFFFFF"/>
+                </a:highlight>
+                <a:uLnTx/>
+                <a:uFillTx/>
+                <a:latin typeface="微軟正黑體" panose="020B0604030504040204" pitchFamily="34" charset="-120"/>
+                <a:ea typeface="微軟正黑體" panose="020B0604030504040204" pitchFamily="34" charset="-120"/>
+                <a:cs typeface="+mn-cs"/>
+              </a:rPr>
+              <a:t>空後的棋盤</a:t>
+            </a:r>
+            <a:endParaRPr kumimoji="0" lang="zh-TW" altLang="en-US" sz="3600" b="0" i="0" u="none" strike="noStrike" kern="1200" cap="none" spc="0" normalizeH="0" baseline="0" noProof="0" dirty="0">
+              <a:ln>
+                <a:noFill/>
+              </a:ln>
+              <a:solidFill>
+                <a:prstClr val="black"/>
+              </a:solidFill>
+              <a:effectLst/>
+              <a:uLnTx/>
+              <a:uFillTx/>
+              <a:latin typeface="微軟正黑體" panose="020B0604030504040204" pitchFamily="34" charset="-120"/>
+              <a:ea typeface="微軟正黑體" panose="020B0604030504040204" pitchFamily="34" charset="-120"/>
+              <a:cs typeface="+mn-cs"/>
+            </a:endParaRPr>
+          </a:p>
+        </p:txBody>
+      </p:sp>
+      <p:pic>
+        <p:nvPicPr>
+          <p:cNvPr id="5" name="圖片 4">
+            <a:extLst>
+              <a:ext uri="{FF2B5EF4-FFF2-40B4-BE49-F238E27FC236}">
+                <a16:creationId xmlns:a16="http://schemas.microsoft.com/office/drawing/2014/main" id="{DE020D29-E78E-8281-5AA3-597753EAAA73}"/>
+              </a:ext>
+            </a:extLst>
+          </p:cNvPr>
+          <p:cNvPicPr>
+            <a:picLocks noChangeAspect="1"/>
+          </p:cNvPicPr>
+          <p:nvPr/>
+        </p:nvPicPr>
+        <p:blipFill>
+          <a:blip r:embed="rId2"/>
+          <a:stretch>
+            <a:fillRect/>
+          </a:stretch>
+        </p:blipFill>
+        <p:spPr>
+          <a:xfrm>
+            <a:off x="897267" y="3194544"/>
+            <a:ext cx="3785643" cy="1559685"/>
+          </a:xfrm>
+          <a:prstGeom prst="rect">
+            <a:avLst/>
+          </a:prstGeom>
+        </p:spPr>
+      </p:pic>
+      <p:pic>
+        <p:nvPicPr>
+          <p:cNvPr id="7" name="圖片 6" descr="一張含有 文字, 字型, 螢幕擷取畫面, 數字 的圖片&#10;&#10;自動產生的描述">
+            <a:extLst>
+              <a:ext uri="{FF2B5EF4-FFF2-40B4-BE49-F238E27FC236}">
+                <a16:creationId xmlns:a16="http://schemas.microsoft.com/office/drawing/2014/main" id="{28D38B23-A87E-9CE3-84BC-BD5353A98CF4}"/>
+              </a:ext>
+            </a:extLst>
+          </p:cNvPr>
+          <p:cNvPicPr>
+            <a:picLocks noChangeAspect="1"/>
+          </p:cNvPicPr>
+          <p:nvPr/>
+        </p:nvPicPr>
+        <p:blipFill>
+          <a:blip r:embed="rId3">
+            <a:extLst>
+              <a:ext uri="{28A0092B-C50C-407E-A947-70E740481C1C}">
+                <a14:useLocalDpi xmlns:a14="http://schemas.microsoft.com/office/drawing/2010/main" val="0"/>
+              </a:ext>
+            </a:extLst>
+          </a:blip>
+          <a:stretch>
+            <a:fillRect/>
+          </a:stretch>
+        </p:blipFill>
+        <p:spPr>
+          <a:xfrm>
+            <a:off x="7134050" y="2613827"/>
+            <a:ext cx="3523789" cy="4075222"/>
+          </a:xfrm>
+          <a:prstGeom prst="rect">
+            <a:avLst/>
+          </a:prstGeom>
+        </p:spPr>
+      </p:pic>
+    </p:spTree>
+    <p:extLst>
+      <p:ext uri="{BB962C8B-B14F-4D97-AF65-F5344CB8AC3E}">
+        <p14:creationId xmlns:p14="http://schemas.microsoft.com/office/powerpoint/2010/main" val="970740957"/>
+      </p:ext>
+    </p:extLst>
+  </p:cSld>
+  <p:clrMapOvr>
+    <a:masterClrMapping/>
+  </p:clrMapOvr>
+</p:sld>
+</file>
+
+<file path=ppt/slides/slide11.xml><?xml version="1.0" encoding="utf-8"?>
+<p:sld xmlns:a="http://schemas.openxmlformats.org/drawingml/2006/main" xmlns:r="http://schemas.openxmlformats.org/officeDocument/2006/relationships" xmlns:p="http://schemas.openxmlformats.org/presentationml/2006/main">
+  <p:cSld>
+    <p:spTree>
+      <p:nvGrpSpPr>
+        <p:cNvPr id="1" name=""/>
+        <p:cNvGrpSpPr/>
+        <p:nvPr/>
+      </p:nvGrpSpPr>
+      <p:grpSpPr>
+        <a:xfrm>
+          <a:off x="0" y="0"/>
+          <a:ext cx="0" cy="0"/>
+          <a:chOff x="0" y="0"/>
+          <a:chExt cx="0" cy="0"/>
+        </a:xfrm>
+      </p:grpSpPr>
+      <p:sp>
+        <p:nvSpPr>
+          <p:cNvPr id="2" name="標題 1">
+            <a:extLst>
+              <a:ext uri="{FF2B5EF4-FFF2-40B4-BE49-F238E27FC236}">
+                <a16:creationId xmlns:a16="http://schemas.microsoft.com/office/drawing/2014/main" id="{9931E958-7D6E-8B57-C1DA-545D7CA6A4CA}"/>
+              </a:ext>
+            </a:extLst>
+          </p:cNvPr>
+          <p:cNvSpPr>
+            <a:spLocks noGrp="1"/>
+          </p:cNvSpPr>
+          <p:nvPr>
+            <p:ph type="title"/>
+          </p:nvPr>
+        </p:nvSpPr>
+        <p:spPr>
+          <a:xfrm>
+            <a:off x="754179" y="365125"/>
+            <a:ext cx="10515600" cy="1325563"/>
+          </a:xfrm>
+        </p:spPr>
+        <p:txBody>
+          <a:bodyPr>
+            <a:normAutofit/>
+          </a:bodyPr>
+          <a:lstStyle/>
+          <a:p>
+            <a:r>
+              <a:rPr lang="zh-TW" altLang="en-US" sz="6000" b="1" i="0" dirty="0">
+                <a:solidFill>
+                  <a:srgbClr val="1F2328"/>
+                </a:solidFill>
+                <a:effectLst/>
+                <a:highlight>
+                  <a:srgbClr val="FFFFFF"/>
+                </a:highlight>
+                <a:latin typeface="微軟正黑體" panose="020B0604030504040204" pitchFamily="34" charset="-120"/>
+                <a:ea typeface="微軟正黑體" panose="020B0604030504040204" pitchFamily="34" charset="-120"/>
+              </a:rPr>
+              <a:t>程式畫面截圖</a:t>
+            </a:r>
+            <a:endParaRPr lang="zh-TW" altLang="en-US" sz="6000" dirty="0">
+              <a:latin typeface="微軟正黑體" panose="020B0604030504040204" pitchFamily="34" charset="-120"/>
+              <a:ea typeface="微軟正黑體" panose="020B0604030504040204" pitchFamily="34" charset="-120"/>
+            </a:endParaRPr>
+          </a:p>
+        </p:txBody>
+      </p:sp>
+      <p:sp>
+        <p:nvSpPr>
+          <p:cNvPr id="10" name="文字方塊 9">
+            <a:extLst>
+              <a:ext uri="{FF2B5EF4-FFF2-40B4-BE49-F238E27FC236}">
+                <a16:creationId xmlns:a16="http://schemas.microsoft.com/office/drawing/2014/main" id="{B153F692-7046-499D-5EC2-D5D142FB759F}"/>
+              </a:ext>
+            </a:extLst>
+          </p:cNvPr>
+          <p:cNvSpPr txBox="1"/>
+          <p:nvPr/>
+        </p:nvSpPr>
+        <p:spPr>
+          <a:xfrm>
+            <a:off x="754177" y="1830216"/>
+            <a:ext cx="4315663" cy="646331"/>
+          </a:xfrm>
+          <a:prstGeom prst="rect">
+            <a:avLst/>
+          </a:prstGeom>
+          <a:noFill/>
+        </p:spPr>
+        <p:txBody>
+          <a:bodyPr wrap="square" rtlCol="0">
+            <a:spAutoFit/>
+          </a:bodyPr>
+          <a:lstStyle/>
+          <a:p>
+            <a:pPr marL="0" marR="0" lvl="0" indent="0" algn="l" defTabSz="457200" rtl="0" eaLnBrk="1" fontAlgn="auto" latinLnBrk="0" hangingPunct="1">
+              <a:lnSpc>
+                <a:spcPct val="100000"/>
+              </a:lnSpc>
+              <a:spcBef>
+                <a:spcPts val="0"/>
+              </a:spcBef>
+              <a:spcAft>
+                <a:spcPts val="0"/>
+              </a:spcAft>
+              <a:buClrTx/>
+              <a:buSzTx/>
+              <a:buFontTx/>
+              <a:buNone/>
+              <a:tabLst/>
+              <a:defRPr/>
+            </a:pPr>
+            <a:r>
+              <a:rPr kumimoji="0" lang="zh-TW" altLang="en-US" sz="3600" b="1" i="0" u="none" strike="noStrike" kern="1200" cap="none" spc="0" normalizeH="0" baseline="0" noProof="0" dirty="0">
+                <a:ln>
+                  <a:noFill/>
+                </a:ln>
+                <a:solidFill>
+                  <a:prstClr val="black"/>
+                </a:solidFill>
+                <a:effectLst/>
+                <a:uLnTx/>
+                <a:uFillTx/>
+                <a:latin typeface="微軟正黑體" panose="020B0604030504040204" pitchFamily="34" charset="-120"/>
+                <a:ea typeface="微軟正黑體" panose="020B0604030504040204" pitchFamily="34" charset="-120"/>
+                <a:cs typeface="+mn-cs"/>
+              </a:rPr>
+              <a:t>輸入數字</a:t>
+            </a:r>
+            <a:r>
+              <a:rPr kumimoji="0" lang="en-US" altLang="zh-TW" sz="3600" b="1" i="0" u="none" strike="noStrike" kern="1200" cap="none" spc="0" normalizeH="0" baseline="0" noProof="0" dirty="0">
+                <a:ln>
+                  <a:noFill/>
+                </a:ln>
+                <a:solidFill>
+                  <a:prstClr val="black"/>
+                </a:solidFill>
+                <a:effectLst/>
+                <a:uLnTx/>
+                <a:uFillTx/>
+                <a:latin typeface="微軟正黑體" panose="020B0604030504040204" pitchFamily="34" charset="-120"/>
+                <a:ea typeface="微軟正黑體" panose="020B0604030504040204" pitchFamily="34" charset="-120"/>
+                <a:cs typeface="+mn-cs"/>
+              </a:rPr>
+              <a:t>(</a:t>
+            </a:r>
+            <a:r>
+              <a:rPr kumimoji="0" lang="zh-TW" altLang="en-US" sz="3600" b="1" i="0" u="none" strike="noStrike" kern="1200" cap="none" spc="0" normalizeH="0" baseline="0" noProof="0" dirty="0">
+                <a:ln>
+                  <a:noFill/>
+                </a:ln>
+                <a:solidFill>
+                  <a:prstClr val="black"/>
+                </a:solidFill>
+                <a:effectLst/>
+                <a:uLnTx/>
+                <a:uFillTx/>
+                <a:latin typeface="微軟正黑體" panose="020B0604030504040204" pitchFamily="34" charset="-120"/>
+                <a:ea typeface="微軟正黑體" panose="020B0604030504040204" pitchFamily="34" charset="-120"/>
+                <a:cs typeface="+mn-cs"/>
+              </a:rPr>
+              <a:t>輸入錯誤</a:t>
+            </a:r>
+            <a:r>
+              <a:rPr kumimoji="0" lang="en-US" altLang="zh-TW" sz="3600" b="1" i="0" u="none" strike="noStrike" kern="1200" cap="none" spc="0" normalizeH="0" baseline="0" noProof="0" dirty="0">
+                <a:ln>
+                  <a:noFill/>
+                </a:ln>
+                <a:solidFill>
+                  <a:prstClr val="black"/>
+                </a:solidFill>
+                <a:effectLst/>
+                <a:uLnTx/>
+                <a:uFillTx/>
+                <a:latin typeface="微軟正黑體" panose="020B0604030504040204" pitchFamily="34" charset="-120"/>
+                <a:ea typeface="微軟正黑體" panose="020B0604030504040204" pitchFamily="34" charset="-120"/>
+                <a:cs typeface="+mn-cs"/>
+              </a:rPr>
+              <a:t>)</a:t>
+            </a:r>
+            <a:endParaRPr kumimoji="0" lang="zh-TW" altLang="en-US" sz="3600" b="1" i="0" u="none" strike="noStrike" kern="1200" cap="none" spc="0" normalizeH="0" baseline="0" noProof="0" dirty="0">
+              <a:ln>
+                <a:noFill/>
+              </a:ln>
+              <a:solidFill>
+                <a:prstClr val="black"/>
+              </a:solidFill>
+              <a:effectLst/>
+              <a:uLnTx/>
+              <a:uFillTx/>
+              <a:latin typeface="微軟正黑體" panose="020B0604030504040204" pitchFamily="34" charset="-120"/>
+              <a:ea typeface="微軟正黑體" panose="020B0604030504040204" pitchFamily="34" charset="-120"/>
+              <a:cs typeface="+mn-cs"/>
+            </a:endParaRPr>
+          </a:p>
+        </p:txBody>
+      </p:sp>
+      <p:sp>
+        <p:nvSpPr>
+          <p:cNvPr id="11" name="文字方塊 10">
+            <a:extLst>
+              <a:ext uri="{FF2B5EF4-FFF2-40B4-BE49-F238E27FC236}">
+                <a16:creationId xmlns:a16="http://schemas.microsoft.com/office/drawing/2014/main" id="{6B5578E6-9EAD-29AA-1D8C-17D7E090AC33}"/>
+              </a:ext>
+            </a:extLst>
+          </p:cNvPr>
+          <p:cNvSpPr txBox="1"/>
+          <p:nvPr/>
+        </p:nvSpPr>
+        <p:spPr>
+          <a:xfrm>
+            <a:off x="7040878" y="1831632"/>
+            <a:ext cx="2954655" cy="646331"/>
+          </a:xfrm>
+          <a:prstGeom prst="rect">
+            <a:avLst/>
+          </a:prstGeom>
+          <a:noFill/>
+        </p:spPr>
+        <p:txBody>
+          <a:bodyPr wrap="none" rtlCol="0">
+            <a:spAutoFit/>
+          </a:bodyPr>
+          <a:lstStyle/>
+          <a:p>
+            <a:pPr marL="0" marR="0" lvl="0" indent="0" algn="l" defTabSz="457200" rtl="0" eaLnBrk="1" fontAlgn="auto" latinLnBrk="0" hangingPunct="1">
+              <a:lnSpc>
+                <a:spcPct val="100000"/>
+              </a:lnSpc>
+              <a:spcBef>
+                <a:spcPts val="0"/>
+              </a:spcBef>
+              <a:spcAft>
+                <a:spcPts val="0"/>
+              </a:spcAft>
+              <a:buClrTx/>
+              <a:buSzTx/>
+              <a:buFontTx/>
+              <a:buNone/>
+              <a:tabLst/>
+              <a:defRPr/>
+            </a:pPr>
+            <a:r>
+              <a:rPr lang="zh-TW" altLang="en-US" sz="3600" b="1" dirty="0">
+                <a:solidFill>
+                  <a:srgbClr val="1F2328"/>
+                </a:solidFill>
+                <a:highlight>
+                  <a:srgbClr val="FFFFFF"/>
+                </a:highlight>
+                <a:latin typeface="微軟正黑體" panose="020B0604030504040204" pitchFamily="34" charset="-120"/>
+                <a:ea typeface="微軟正黑體" panose="020B0604030504040204" pitchFamily="34" charset="-120"/>
+              </a:rPr>
+              <a:t>填</a:t>
+            </a:r>
+            <a:r>
+              <a:rPr kumimoji="0" lang="zh-TW" altLang="en-US" sz="3600" b="1" i="0" u="none" strike="noStrike" kern="1200" cap="none" spc="0" normalizeH="0" baseline="0" noProof="0" dirty="0">
+                <a:ln>
+                  <a:noFill/>
+                </a:ln>
+                <a:solidFill>
+                  <a:srgbClr val="1F2328"/>
+                </a:solidFill>
+                <a:effectLst/>
+                <a:highlight>
+                  <a:srgbClr val="FFFFFF"/>
+                </a:highlight>
+                <a:uLnTx/>
+                <a:uFillTx/>
+                <a:latin typeface="微軟正黑體" panose="020B0604030504040204" pitchFamily="34" charset="-120"/>
+                <a:ea typeface="微軟正黑體" panose="020B0604030504040204" pitchFamily="34" charset="-120"/>
+                <a:cs typeface="+mn-cs"/>
+              </a:rPr>
+              <a:t>空後的棋盤</a:t>
+            </a:r>
+            <a:endParaRPr kumimoji="0" lang="zh-TW" altLang="en-US" sz="3600" b="0" i="0" u="none" strike="noStrike" kern="1200" cap="none" spc="0" normalizeH="0" baseline="0" noProof="0" dirty="0">
+              <a:ln>
+                <a:noFill/>
+              </a:ln>
+              <a:solidFill>
+                <a:prstClr val="black"/>
+              </a:solidFill>
+              <a:effectLst/>
+              <a:uLnTx/>
+              <a:uFillTx/>
+              <a:latin typeface="微軟正黑體" panose="020B0604030504040204" pitchFamily="34" charset="-120"/>
+              <a:ea typeface="微軟正黑體" panose="020B0604030504040204" pitchFamily="34" charset="-120"/>
+              <a:cs typeface="+mn-cs"/>
+            </a:endParaRPr>
+          </a:p>
+        </p:txBody>
+      </p:sp>
+      <p:pic>
+        <p:nvPicPr>
+          <p:cNvPr id="5" name="圖片 4">
+            <a:extLst>
+              <a:ext uri="{FF2B5EF4-FFF2-40B4-BE49-F238E27FC236}">
+                <a16:creationId xmlns:a16="http://schemas.microsoft.com/office/drawing/2014/main" id="{FFE45D00-3990-8B55-F44D-603FDF00F543}"/>
+              </a:ext>
+            </a:extLst>
+          </p:cNvPr>
+          <p:cNvPicPr>
+            <a:picLocks noChangeAspect="1"/>
+          </p:cNvPicPr>
+          <p:nvPr/>
+        </p:nvPicPr>
+        <p:blipFill>
+          <a:blip r:embed="rId2"/>
+          <a:stretch>
+            <a:fillRect/>
+          </a:stretch>
+        </p:blipFill>
+        <p:spPr>
+          <a:xfrm>
+            <a:off x="867333" y="2616076"/>
+            <a:ext cx="3267787" cy="820482"/>
+          </a:xfrm>
+          <a:prstGeom prst="rect">
+            <a:avLst/>
+          </a:prstGeom>
+        </p:spPr>
+      </p:pic>
+      <p:pic>
+        <p:nvPicPr>
+          <p:cNvPr id="7" name="圖片 6" descr="一張含有 文字, 字型, 印刷術, 黑與白 的圖片&#10;&#10;自動產生的描述">
+            <a:extLst>
+              <a:ext uri="{FF2B5EF4-FFF2-40B4-BE49-F238E27FC236}">
+                <a16:creationId xmlns:a16="http://schemas.microsoft.com/office/drawing/2014/main" id="{882F9D22-B7D4-BF45-EC24-ACB8A8DF564E}"/>
+              </a:ext>
+            </a:extLst>
+          </p:cNvPr>
+          <p:cNvPicPr>
+            <a:picLocks noChangeAspect="1"/>
+          </p:cNvPicPr>
+          <p:nvPr/>
+        </p:nvPicPr>
+        <p:blipFill>
+          <a:blip r:embed="rId3">
+            <a:extLst>
+              <a:ext uri="{28A0092B-C50C-407E-A947-70E740481C1C}">
+                <a14:useLocalDpi xmlns:a14="http://schemas.microsoft.com/office/drawing/2010/main" val="0"/>
+              </a:ext>
+            </a:extLst>
+          </a:blip>
+          <a:stretch>
+            <a:fillRect/>
+          </a:stretch>
+        </p:blipFill>
+        <p:spPr>
+          <a:xfrm>
+            <a:off x="7157644" y="2616076"/>
+            <a:ext cx="3053156" cy="3648262"/>
+          </a:xfrm>
+          <a:prstGeom prst="rect">
+            <a:avLst/>
+          </a:prstGeom>
+        </p:spPr>
+      </p:pic>
+    </p:spTree>
+    <p:extLst>
+      <p:ext uri="{BB962C8B-B14F-4D97-AF65-F5344CB8AC3E}">
+        <p14:creationId xmlns:p14="http://schemas.microsoft.com/office/powerpoint/2010/main" val="1809685498"/>
+      </p:ext>
+    </p:extLst>
+  </p:cSld>
+  <p:clrMapOvr>
+    <a:masterClrMapping/>
+  </p:clrMapOvr>
+</p:sld>
+</file>
+
+<file path=ppt/slides/slide12.xml><?xml version="1.0" encoding="utf-8"?>
+<p:sld xmlns:a="http://schemas.openxmlformats.org/drawingml/2006/main" xmlns:r="http://schemas.openxmlformats.org/officeDocument/2006/relationships" xmlns:p="http://schemas.openxmlformats.org/presentationml/2006/main">
+  <p:cSld>
+    <p:spTree>
+      <p:nvGrpSpPr>
+        <p:cNvPr id="1" name=""/>
+        <p:cNvGrpSpPr/>
+        <p:nvPr/>
+      </p:nvGrpSpPr>
+      <p:grpSpPr>
+        <a:xfrm>
+          <a:off x="0" y="0"/>
+          <a:ext cx="0" cy="0"/>
+          <a:chOff x="0" y="0"/>
+          <a:chExt cx="0" cy="0"/>
+        </a:xfrm>
+      </p:grpSpPr>
+      <p:sp>
+        <p:nvSpPr>
+          <p:cNvPr id="2" name="標題 1">
+            <a:extLst>
+              <a:ext uri="{FF2B5EF4-FFF2-40B4-BE49-F238E27FC236}">
+                <a16:creationId xmlns:a16="http://schemas.microsoft.com/office/drawing/2014/main" id="{9931E958-7D6E-8B57-C1DA-545D7CA6A4CA}"/>
+              </a:ext>
+            </a:extLst>
+          </p:cNvPr>
+          <p:cNvSpPr>
+            <a:spLocks noGrp="1"/>
+          </p:cNvSpPr>
+          <p:nvPr>
+            <p:ph type="title"/>
+          </p:nvPr>
+        </p:nvSpPr>
+        <p:spPr>
+          <a:xfrm>
+            <a:off x="754179" y="365125"/>
+            <a:ext cx="10515600" cy="1325563"/>
+          </a:xfrm>
+        </p:spPr>
+        <p:txBody>
+          <a:bodyPr>
+            <a:normAutofit/>
+          </a:bodyPr>
+          <a:lstStyle/>
+          <a:p>
+            <a:r>
+              <a:rPr lang="zh-TW" altLang="en-US" sz="6000" b="1" i="0" dirty="0">
+                <a:solidFill>
+                  <a:srgbClr val="1F2328"/>
+                </a:solidFill>
+                <a:effectLst/>
+                <a:highlight>
+                  <a:srgbClr val="FFFFFF"/>
+                </a:highlight>
+                <a:latin typeface="微軟正黑體" panose="020B0604030504040204" pitchFamily="34" charset="-120"/>
+                <a:ea typeface="微軟正黑體" panose="020B0604030504040204" pitchFamily="34" charset="-120"/>
+              </a:rPr>
+              <a:t>程式畫面截圖</a:t>
+            </a:r>
+            <a:endParaRPr lang="zh-TW" altLang="en-US" sz="6000" dirty="0">
+              <a:latin typeface="微軟正黑體" panose="020B0604030504040204" pitchFamily="34" charset="-120"/>
+              <a:ea typeface="微軟正黑體" panose="020B0604030504040204" pitchFamily="34" charset="-120"/>
+            </a:endParaRPr>
+          </a:p>
+        </p:txBody>
+      </p:sp>
+      <p:sp>
+        <p:nvSpPr>
+          <p:cNvPr id="10" name="文字方塊 9">
+            <a:extLst>
+              <a:ext uri="{FF2B5EF4-FFF2-40B4-BE49-F238E27FC236}">
+                <a16:creationId xmlns:a16="http://schemas.microsoft.com/office/drawing/2014/main" id="{B153F692-7046-499D-5EC2-D5D142FB759F}"/>
+              </a:ext>
+            </a:extLst>
+          </p:cNvPr>
+          <p:cNvSpPr txBox="1"/>
+          <p:nvPr/>
+        </p:nvSpPr>
+        <p:spPr>
+          <a:xfrm>
+            <a:off x="754178" y="1830216"/>
+            <a:ext cx="4071822" cy="1200329"/>
+          </a:xfrm>
+          <a:prstGeom prst="rect">
+            <a:avLst/>
+          </a:prstGeom>
+          <a:noFill/>
+        </p:spPr>
+        <p:txBody>
+          <a:bodyPr wrap="square" rtlCol="0">
+            <a:spAutoFit/>
+          </a:bodyPr>
+          <a:lstStyle/>
+          <a:p>
+            <a:pPr marL="0" marR="0" lvl="0" indent="0" algn="l" defTabSz="457200" rtl="0" eaLnBrk="1" fontAlgn="auto" latinLnBrk="0" hangingPunct="1">
+              <a:lnSpc>
+                <a:spcPct val="100000"/>
+              </a:lnSpc>
+              <a:spcBef>
+                <a:spcPts val="0"/>
+              </a:spcBef>
+              <a:spcAft>
+                <a:spcPts val="0"/>
+              </a:spcAft>
+              <a:buClrTx/>
+              <a:buSzTx/>
+              <a:buFontTx/>
+              <a:buNone/>
+              <a:tabLst/>
+              <a:defRPr/>
+            </a:pPr>
+            <a:r>
+              <a:rPr kumimoji="0" lang="zh-TW" altLang="en-US" sz="3600" b="1" i="0" u="none" strike="noStrike" kern="1200" cap="none" spc="0" normalizeH="0" baseline="0" noProof="0" dirty="0">
+                <a:ln>
+                  <a:noFill/>
+                </a:ln>
+                <a:solidFill>
+                  <a:prstClr val="black"/>
+                </a:solidFill>
+                <a:effectLst/>
+                <a:uLnTx/>
+                <a:uFillTx/>
+                <a:latin typeface="微軟正黑體" panose="020B0604030504040204" pitchFamily="34" charset="-120"/>
+                <a:ea typeface="微軟正黑體" panose="020B0604030504040204" pitchFamily="34" charset="-120"/>
+                <a:cs typeface="+mn-cs"/>
+              </a:rPr>
+              <a:t>輸入要修改的數字</a:t>
+            </a:r>
+            <a:endParaRPr kumimoji="0" lang="en-US" altLang="zh-TW" sz="3600" b="1" i="0" u="none" strike="noStrike" kern="1200" cap="none" spc="0" normalizeH="0" baseline="0" noProof="0" dirty="0">
+              <a:ln>
+                <a:noFill/>
+              </a:ln>
+              <a:solidFill>
+                <a:prstClr val="black"/>
+              </a:solidFill>
+              <a:effectLst/>
+              <a:uLnTx/>
+              <a:uFillTx/>
+              <a:latin typeface="微軟正黑體" panose="020B0604030504040204" pitchFamily="34" charset="-120"/>
+              <a:ea typeface="微軟正黑體" panose="020B0604030504040204" pitchFamily="34" charset="-120"/>
+              <a:cs typeface="+mn-cs"/>
+            </a:endParaRPr>
+          </a:p>
+          <a:p>
+            <a:pPr marL="0" marR="0" lvl="0" indent="0" algn="l" defTabSz="457200" rtl="0" eaLnBrk="1" fontAlgn="auto" latinLnBrk="0" hangingPunct="1">
+              <a:lnSpc>
+                <a:spcPct val="100000"/>
+              </a:lnSpc>
+              <a:spcBef>
+                <a:spcPts val="0"/>
+              </a:spcBef>
+              <a:spcAft>
+                <a:spcPts val="0"/>
+              </a:spcAft>
+              <a:buClrTx/>
+              <a:buSzTx/>
+              <a:buFontTx/>
+              <a:buNone/>
+              <a:tabLst/>
+              <a:defRPr/>
+            </a:pPr>
+            <a:r>
+              <a:rPr kumimoji="0" lang="en-US" altLang="zh-TW" sz="3600" b="1" i="0" u="none" strike="noStrike" kern="1200" cap="none" spc="0" normalizeH="0" baseline="0" noProof="0" dirty="0">
+                <a:ln>
+                  <a:noFill/>
+                </a:ln>
+                <a:solidFill>
+                  <a:prstClr val="black"/>
+                </a:solidFill>
+                <a:effectLst/>
+                <a:uLnTx/>
+                <a:uFillTx/>
+                <a:latin typeface="微軟正黑體" panose="020B0604030504040204" pitchFamily="34" charset="-120"/>
+                <a:ea typeface="微軟正黑體" panose="020B0604030504040204" pitchFamily="34" charset="-120"/>
+                <a:cs typeface="+mn-cs"/>
+              </a:rPr>
+              <a:t>(</a:t>
+            </a:r>
+            <a:r>
+              <a:rPr kumimoji="0" lang="zh-TW" altLang="en-US" sz="3600" b="1" i="0" u="none" strike="noStrike" kern="1200" cap="none" spc="0" normalizeH="0" baseline="0" noProof="0" dirty="0">
+                <a:ln>
+                  <a:noFill/>
+                </a:ln>
+                <a:solidFill>
+                  <a:prstClr val="black"/>
+                </a:solidFill>
+                <a:effectLst/>
+                <a:uLnTx/>
+                <a:uFillTx/>
+                <a:latin typeface="微軟正黑體" panose="020B0604030504040204" pitchFamily="34" charset="-120"/>
+                <a:ea typeface="微軟正黑體" panose="020B0604030504040204" pitchFamily="34" charset="-120"/>
+                <a:cs typeface="+mn-cs"/>
+              </a:rPr>
+              <a:t>行 列 修改的數字</a:t>
+            </a:r>
+            <a:r>
+              <a:rPr kumimoji="0" lang="en-US" altLang="zh-TW" sz="3600" b="1" i="0" u="none" strike="noStrike" kern="1200" cap="none" spc="0" normalizeH="0" baseline="0" noProof="0" dirty="0">
+                <a:ln>
+                  <a:noFill/>
+                </a:ln>
+                <a:solidFill>
+                  <a:prstClr val="black"/>
+                </a:solidFill>
+                <a:effectLst/>
+                <a:uLnTx/>
+                <a:uFillTx/>
+                <a:latin typeface="微軟正黑體" panose="020B0604030504040204" pitchFamily="34" charset="-120"/>
+                <a:ea typeface="微軟正黑體" panose="020B0604030504040204" pitchFamily="34" charset="-120"/>
+                <a:cs typeface="+mn-cs"/>
+              </a:rPr>
+              <a:t>)</a:t>
+            </a:r>
+            <a:endParaRPr kumimoji="0" lang="zh-TW" altLang="en-US" sz="3600" b="1" i="0" u="none" strike="noStrike" kern="1200" cap="none" spc="0" normalizeH="0" baseline="0" noProof="0" dirty="0">
+              <a:ln>
+                <a:noFill/>
+              </a:ln>
+              <a:solidFill>
+                <a:prstClr val="black"/>
+              </a:solidFill>
+              <a:effectLst/>
+              <a:uLnTx/>
+              <a:uFillTx/>
+              <a:latin typeface="微軟正黑體" panose="020B0604030504040204" pitchFamily="34" charset="-120"/>
+              <a:ea typeface="微軟正黑體" panose="020B0604030504040204" pitchFamily="34" charset="-120"/>
+              <a:cs typeface="+mn-cs"/>
+            </a:endParaRPr>
+          </a:p>
+        </p:txBody>
+      </p:sp>
+      <p:sp>
+        <p:nvSpPr>
+          <p:cNvPr id="11" name="文字方塊 10">
+            <a:extLst>
+              <a:ext uri="{FF2B5EF4-FFF2-40B4-BE49-F238E27FC236}">
+                <a16:creationId xmlns:a16="http://schemas.microsoft.com/office/drawing/2014/main" id="{6B5578E6-9EAD-29AA-1D8C-17D7E090AC33}"/>
+              </a:ext>
+            </a:extLst>
+          </p:cNvPr>
+          <p:cNvSpPr txBox="1"/>
+          <p:nvPr/>
+        </p:nvSpPr>
+        <p:spPr>
+          <a:xfrm>
+            <a:off x="7040878" y="1831632"/>
+            <a:ext cx="4801314" cy="646331"/>
+          </a:xfrm>
+          <a:prstGeom prst="rect">
+            <a:avLst/>
+          </a:prstGeom>
+          <a:noFill/>
+        </p:spPr>
+        <p:txBody>
+          <a:bodyPr wrap="none" rtlCol="0">
+            <a:spAutoFit/>
+          </a:bodyPr>
+          <a:lstStyle/>
+          <a:p>
+            <a:pPr marL="0" marR="0" lvl="0" indent="0" algn="l" defTabSz="457200" rtl="0" eaLnBrk="1" fontAlgn="auto" latinLnBrk="0" hangingPunct="1">
+              <a:lnSpc>
+                <a:spcPct val="100000"/>
+              </a:lnSpc>
+              <a:spcBef>
+                <a:spcPts val="0"/>
+              </a:spcBef>
+              <a:spcAft>
+                <a:spcPts val="0"/>
+              </a:spcAft>
+              <a:buClrTx/>
+              <a:buSzTx/>
+              <a:buFontTx/>
+              <a:buNone/>
+              <a:tabLst/>
+              <a:defRPr/>
+            </a:pPr>
+            <a:r>
+              <a:rPr kumimoji="0" lang="zh-TW" altLang="en-US" sz="3600" b="1" i="0" u="none" strike="noStrike" kern="1200" cap="none" spc="0" normalizeH="0" baseline="0" noProof="0" dirty="0">
+                <a:ln>
+                  <a:noFill/>
+                </a:ln>
+                <a:solidFill>
+                  <a:srgbClr val="1F2328"/>
+                </a:solidFill>
+                <a:effectLst/>
+                <a:highlight>
+                  <a:srgbClr val="FFFFFF"/>
+                </a:highlight>
+                <a:uLnTx/>
+                <a:uFillTx/>
+                <a:latin typeface="微軟正黑體" panose="020B0604030504040204" pitchFamily="34" charset="-120"/>
+                <a:ea typeface="微軟正黑體" panose="020B0604030504040204" pitchFamily="34" charset="-120"/>
+                <a:cs typeface="+mn-cs"/>
+              </a:rPr>
+              <a:t>完成所有填空後的棋盤</a:t>
+            </a:r>
+            <a:endParaRPr kumimoji="0" lang="zh-TW" altLang="en-US" sz="3600" b="0" i="0" u="none" strike="noStrike" kern="1200" cap="none" spc="0" normalizeH="0" baseline="0" noProof="0" dirty="0">
+              <a:ln>
+                <a:noFill/>
+              </a:ln>
+              <a:solidFill>
+                <a:prstClr val="black"/>
+              </a:solidFill>
+              <a:effectLst/>
+              <a:uLnTx/>
+              <a:uFillTx/>
+              <a:latin typeface="微軟正黑體" panose="020B0604030504040204" pitchFamily="34" charset="-120"/>
+              <a:ea typeface="微軟正黑體" panose="020B0604030504040204" pitchFamily="34" charset="-120"/>
+              <a:cs typeface="+mn-cs"/>
+            </a:endParaRPr>
+          </a:p>
+        </p:txBody>
+      </p:sp>
+      <p:pic>
+        <p:nvPicPr>
+          <p:cNvPr id="4" name="圖片 3" descr="一張含有 字型, 文字, 白色, 圖表 的圖片&#10;&#10;自動產生的描述">
+            <a:extLst>
+              <a:ext uri="{FF2B5EF4-FFF2-40B4-BE49-F238E27FC236}">
+                <a16:creationId xmlns:a16="http://schemas.microsoft.com/office/drawing/2014/main" id="{8E86691F-0047-C18E-E640-79E19A8C1C80}"/>
+              </a:ext>
+            </a:extLst>
+          </p:cNvPr>
+          <p:cNvPicPr>
+            <a:picLocks noChangeAspect="1"/>
+          </p:cNvPicPr>
+          <p:nvPr/>
+        </p:nvPicPr>
+        <p:blipFill>
+          <a:blip r:embed="rId2">
+            <a:extLst>
+              <a:ext uri="{28A0092B-C50C-407E-A947-70E740481C1C}">
+                <a14:useLocalDpi xmlns:a14="http://schemas.microsoft.com/office/drawing/2010/main" val="0"/>
+              </a:ext>
+            </a:extLst>
+          </a:blip>
+          <a:stretch>
+            <a:fillRect/>
+          </a:stretch>
+        </p:blipFill>
+        <p:spPr>
+          <a:xfrm>
+            <a:off x="848128" y="3170073"/>
+            <a:ext cx="3224281" cy="972843"/>
+          </a:xfrm>
+          <a:prstGeom prst="rect">
+            <a:avLst/>
+          </a:prstGeom>
+        </p:spPr>
+      </p:pic>
+      <p:pic>
+        <p:nvPicPr>
+          <p:cNvPr id="8" name="圖片 7" descr="一張含有 文字, 字型, 印刷術, 黑與白 的圖片&#10;&#10;自動產生的描述">
+            <a:extLst>
+              <a:ext uri="{FF2B5EF4-FFF2-40B4-BE49-F238E27FC236}">
+                <a16:creationId xmlns:a16="http://schemas.microsoft.com/office/drawing/2014/main" id="{1A11AADA-4A36-C969-559E-2F25D44C3624}"/>
+              </a:ext>
+            </a:extLst>
+          </p:cNvPr>
+          <p:cNvPicPr>
+            <a:picLocks noChangeAspect="1"/>
+          </p:cNvPicPr>
+          <p:nvPr/>
+        </p:nvPicPr>
+        <p:blipFill>
+          <a:blip r:embed="rId3">
+            <a:extLst>
+              <a:ext uri="{28A0092B-C50C-407E-A947-70E740481C1C}">
+                <a14:useLocalDpi xmlns:a14="http://schemas.microsoft.com/office/drawing/2010/main" val="0"/>
+              </a:ext>
+            </a:extLst>
+          </a:blip>
+          <a:stretch>
+            <a:fillRect/>
+          </a:stretch>
+        </p:blipFill>
+        <p:spPr>
+          <a:xfrm>
+            <a:off x="7186853" y="2618906"/>
+            <a:ext cx="3168246" cy="3497413"/>
+          </a:xfrm>
+          <a:prstGeom prst="rect">
+            <a:avLst/>
+          </a:prstGeom>
+        </p:spPr>
+      </p:pic>
+    </p:spTree>
+    <p:extLst>
+      <p:ext uri="{BB962C8B-B14F-4D97-AF65-F5344CB8AC3E}">
+        <p14:creationId xmlns:p14="http://schemas.microsoft.com/office/powerpoint/2010/main" val="1844347820"/>
+      </p:ext>
+    </p:extLst>
+  </p:cSld>
+  <p:clrMapOvr>
+    <a:masterClrMapping/>
+  </p:clrMapOvr>
+</p:sld>
+</file>
+
+<file path=ppt/slides/slide13.xml><?xml version="1.0" encoding="utf-8"?>
+<p:sld xmlns:a="http://schemas.openxmlformats.org/drawingml/2006/main" xmlns:r="http://schemas.openxmlformats.org/officeDocument/2006/relationships" xmlns:p="http://schemas.openxmlformats.org/presentationml/2006/main">
+  <p:cSld>
+    <p:spTree>
+      <p:nvGrpSpPr>
+        <p:cNvPr id="1" name=""/>
+        <p:cNvGrpSpPr/>
+        <p:nvPr/>
+      </p:nvGrpSpPr>
+      <p:grpSpPr>
+        <a:xfrm>
+          <a:off x="0" y="0"/>
+          <a:ext cx="0" cy="0"/>
+          <a:chOff x="0" y="0"/>
+          <a:chExt cx="0" cy="0"/>
+        </a:xfrm>
+      </p:grpSpPr>
+      <p:sp>
+        <p:nvSpPr>
+          <p:cNvPr id="2" name="標題 1">
+            <a:extLst>
+              <a:ext uri="{FF2B5EF4-FFF2-40B4-BE49-F238E27FC236}">
+                <a16:creationId xmlns:a16="http://schemas.microsoft.com/office/drawing/2014/main" id="{8C6A96B1-4D4A-0F0C-E3C8-49F6CE929272}"/>
+              </a:ext>
+            </a:extLst>
+          </p:cNvPr>
+          <p:cNvSpPr>
+            <a:spLocks noGrp="1"/>
+          </p:cNvSpPr>
+          <p:nvPr>
+            <p:ph type="title"/>
+          </p:nvPr>
+        </p:nvSpPr>
+        <p:spPr/>
+        <p:txBody>
+          <a:bodyPr>
+            <a:noAutofit/>
+          </a:bodyPr>
+          <a:lstStyle/>
+          <a:p>
+            <a:r>
+              <a:rPr lang="zh-TW" altLang="en-US" sz="6000" b="1" i="0" dirty="0">
+                <a:solidFill>
+                  <a:srgbClr val="1F2328"/>
+                </a:solidFill>
+                <a:effectLst/>
+                <a:highlight>
+                  <a:srgbClr val="FFFFFF"/>
+                </a:highlight>
+                <a:latin typeface="微軟正黑體" panose="020B0604030504040204" pitchFamily="34" charset="-120"/>
+                <a:ea typeface="微軟正黑體" panose="020B0604030504040204" pitchFamily="34" charset="-120"/>
+              </a:rPr>
+              <a:t>分工資訊</a:t>
+            </a:r>
+            <a:endParaRPr lang="zh-TW" altLang="en-US" sz="6000" dirty="0">
+              <a:latin typeface="微軟正黑體" panose="020B0604030504040204" pitchFamily="34" charset="-120"/>
+              <a:ea typeface="微軟正黑體" panose="020B0604030504040204" pitchFamily="34" charset="-120"/>
+            </a:endParaRPr>
+          </a:p>
+        </p:txBody>
+      </p:sp>
+      <p:sp>
+        <p:nvSpPr>
+          <p:cNvPr id="3" name="內容版面配置區 2">
+            <a:extLst>
+              <a:ext uri="{FF2B5EF4-FFF2-40B4-BE49-F238E27FC236}">
+                <a16:creationId xmlns:a16="http://schemas.microsoft.com/office/drawing/2014/main" id="{A1DE09F1-2260-7AF5-BEEF-833933F4CDD5}"/>
+              </a:ext>
+            </a:extLst>
+          </p:cNvPr>
+          <p:cNvSpPr>
+            <a:spLocks noGrp="1"/>
+          </p:cNvSpPr>
+          <p:nvPr>
+            <p:ph idx="1"/>
+          </p:nvPr>
+        </p:nvSpPr>
+        <p:spPr/>
+        <p:txBody>
+          <a:bodyPr/>
+          <a:lstStyle/>
+          <a:p>
+            <a:pPr marL="0" indent="0">
+              <a:buNone/>
+            </a:pPr>
+            <a:r>
+              <a:rPr lang="zh-TW" altLang="en-US" b="1" i="0" dirty="0">
+                <a:solidFill>
+                  <a:srgbClr val="1F2328"/>
+                </a:solidFill>
+                <a:effectLst/>
+                <a:highlight>
+                  <a:srgbClr val="FFFFFF"/>
+                </a:highlight>
+                <a:latin typeface="微軟正黑體" panose="020B0604030504040204" pitchFamily="34" charset="-120"/>
+                <a:ea typeface="微軟正黑體" panose="020B0604030504040204" pitchFamily="34" charset="-120"/>
+              </a:rPr>
+              <a:t>陳任璿</a:t>
+            </a:r>
+            <a:r>
+              <a:rPr lang="en-US" altLang="zh-TW" b="1" i="0" dirty="0">
+                <a:solidFill>
+                  <a:srgbClr val="1F2328"/>
+                </a:solidFill>
+                <a:effectLst/>
+                <a:highlight>
+                  <a:srgbClr val="FFFFFF"/>
+                </a:highlight>
+                <a:latin typeface="微軟正黑體" panose="020B0604030504040204" pitchFamily="34" charset="-120"/>
+                <a:ea typeface="微軟正黑體" panose="020B0604030504040204" pitchFamily="34" charset="-120"/>
+              </a:rPr>
+              <a:t>:</a:t>
+            </a:r>
+            <a:r>
+              <a:rPr lang="zh-TW" altLang="en-US" b="1" i="0" dirty="0">
+                <a:solidFill>
+                  <a:srgbClr val="1F2328"/>
+                </a:solidFill>
+                <a:effectLst/>
+                <a:highlight>
+                  <a:srgbClr val="FFFFFF"/>
+                </a:highlight>
+                <a:latin typeface="微軟正黑體" panose="020B0604030504040204" pitchFamily="34" charset="-120"/>
+                <a:ea typeface="微軟正黑體" panose="020B0604030504040204" pitchFamily="34" charset="-120"/>
+              </a:rPr>
+              <a:t>編輯程式</a:t>
+            </a:r>
+            <a:endParaRPr lang="en-US" altLang="zh-TW" b="1" i="0" dirty="0">
+              <a:solidFill>
+                <a:srgbClr val="1F2328"/>
+              </a:solidFill>
+              <a:effectLst/>
+              <a:highlight>
+                <a:srgbClr val="FFFFFF"/>
+              </a:highlight>
+              <a:latin typeface="微軟正黑體" panose="020B0604030504040204" pitchFamily="34" charset="-120"/>
+              <a:ea typeface="微軟正黑體" panose="020B0604030504040204" pitchFamily="34" charset="-120"/>
+            </a:endParaRPr>
+          </a:p>
+          <a:p>
+            <a:pPr marL="0" indent="0">
+              <a:buNone/>
+            </a:pPr>
+            <a:r>
+              <a:rPr lang="zh-TW" altLang="en-US" b="1" i="0" dirty="0">
+                <a:solidFill>
+                  <a:srgbClr val="1F2328"/>
+                </a:solidFill>
+                <a:effectLst/>
+                <a:highlight>
+                  <a:srgbClr val="FFFFFF"/>
+                </a:highlight>
+                <a:latin typeface="微軟正黑體" panose="020B0604030504040204" pitchFamily="34" charset="-120"/>
+                <a:ea typeface="微軟正黑體" panose="020B0604030504040204" pitchFamily="34" charset="-120"/>
+              </a:rPr>
+              <a:t>宋承哲</a:t>
+            </a:r>
+            <a:r>
+              <a:rPr lang="en-US" altLang="zh-TW" b="1" i="0" dirty="0">
+                <a:solidFill>
+                  <a:srgbClr val="1F2328"/>
+                </a:solidFill>
+                <a:effectLst/>
+                <a:highlight>
+                  <a:srgbClr val="FFFFFF"/>
+                </a:highlight>
+                <a:latin typeface="微軟正黑體" panose="020B0604030504040204" pitchFamily="34" charset="-120"/>
+                <a:ea typeface="微軟正黑體" panose="020B0604030504040204" pitchFamily="34" charset="-120"/>
+              </a:rPr>
+              <a:t>:</a:t>
+            </a:r>
+            <a:r>
+              <a:rPr lang="zh-TW" altLang="en-US" b="1" i="0" dirty="0">
+                <a:solidFill>
+                  <a:srgbClr val="1F2328"/>
+                </a:solidFill>
+                <a:effectLst/>
+                <a:highlight>
+                  <a:srgbClr val="FFFFFF"/>
+                </a:highlight>
+                <a:latin typeface="微軟正黑體" panose="020B0604030504040204" pitchFamily="34" charset="-120"/>
+                <a:ea typeface="微軟正黑體" panose="020B0604030504040204" pitchFamily="34" charset="-120"/>
+              </a:rPr>
+              <a:t>編輯程式、</a:t>
+            </a:r>
+            <a:r>
+              <a:rPr lang="en-US" altLang="zh-TW" b="1" i="0" dirty="0">
+                <a:solidFill>
+                  <a:srgbClr val="1F2328"/>
+                </a:solidFill>
+                <a:effectLst/>
+                <a:highlight>
+                  <a:srgbClr val="FFFFFF"/>
+                </a:highlight>
+                <a:latin typeface="微軟正黑體" panose="020B0604030504040204" pitchFamily="34" charset="-120"/>
+                <a:ea typeface="微軟正黑體" panose="020B0604030504040204" pitchFamily="34" charset="-120"/>
+              </a:rPr>
+              <a:t>ppt</a:t>
+            </a:r>
+            <a:r>
+              <a:rPr lang="zh-TW" altLang="en-US" b="1" i="0" dirty="0">
+                <a:solidFill>
+                  <a:srgbClr val="1F2328"/>
+                </a:solidFill>
+                <a:effectLst/>
+                <a:highlight>
+                  <a:srgbClr val="FFFFFF"/>
+                </a:highlight>
+                <a:latin typeface="微軟正黑體" panose="020B0604030504040204" pitchFamily="34" charset="-120"/>
+                <a:ea typeface="微軟正黑體" panose="020B0604030504040204" pitchFamily="34" charset="-120"/>
+              </a:rPr>
+              <a:t>製作</a:t>
+            </a:r>
+            <a:endParaRPr lang="en-US" altLang="zh-TW" b="1" i="0" dirty="0">
+              <a:solidFill>
+                <a:srgbClr val="1F2328"/>
+              </a:solidFill>
+              <a:effectLst/>
+              <a:highlight>
+                <a:srgbClr val="FFFFFF"/>
+              </a:highlight>
+              <a:latin typeface="微軟正黑體" panose="020B0604030504040204" pitchFamily="34" charset="-120"/>
+              <a:ea typeface="微軟正黑體" panose="020B0604030504040204" pitchFamily="34" charset="-120"/>
+            </a:endParaRPr>
+          </a:p>
+          <a:p>
+            <a:pPr marL="0" indent="0">
+              <a:buNone/>
+            </a:pPr>
+            <a:r>
+              <a:rPr lang="zh-TW" altLang="en-US" b="1" i="0" dirty="0">
+                <a:solidFill>
+                  <a:srgbClr val="1F2328"/>
+                </a:solidFill>
+                <a:effectLst/>
+                <a:highlight>
+                  <a:srgbClr val="FFFFFF"/>
+                </a:highlight>
+                <a:latin typeface="微軟正黑體" panose="020B0604030504040204" pitchFamily="34" charset="-120"/>
+                <a:ea typeface="微軟正黑體" panose="020B0604030504040204" pitchFamily="34" charset="-120"/>
+              </a:rPr>
+              <a:t>王翌權</a:t>
+            </a:r>
+            <a:r>
+              <a:rPr lang="en-US" altLang="zh-TW" b="1" i="0" dirty="0">
+                <a:solidFill>
+                  <a:srgbClr val="1F2328"/>
+                </a:solidFill>
+                <a:effectLst/>
+                <a:highlight>
+                  <a:srgbClr val="FFFFFF"/>
+                </a:highlight>
+                <a:latin typeface="微軟正黑體" panose="020B0604030504040204" pitchFamily="34" charset="-120"/>
+                <a:ea typeface="微軟正黑體" panose="020B0604030504040204" pitchFamily="34" charset="-120"/>
+              </a:rPr>
+              <a:t>:</a:t>
+            </a:r>
+            <a:r>
+              <a:rPr lang="zh-TW" altLang="en-US" b="1" i="0" dirty="0">
+                <a:solidFill>
+                  <a:srgbClr val="1F2328"/>
+                </a:solidFill>
+                <a:effectLst/>
+                <a:highlight>
+                  <a:srgbClr val="FFFFFF"/>
+                </a:highlight>
+                <a:latin typeface="微軟正黑體" panose="020B0604030504040204" pitchFamily="34" charset="-120"/>
+                <a:ea typeface="微軟正黑體" panose="020B0604030504040204" pitchFamily="34" charset="-120"/>
+              </a:rPr>
+              <a:t>編輯程式</a:t>
+            </a:r>
+            <a:r>
+              <a:rPr lang="zh-TW" altLang="en-US" b="1" dirty="0">
+                <a:solidFill>
+                  <a:srgbClr val="1F2328"/>
+                </a:solidFill>
+                <a:highlight>
+                  <a:srgbClr val="FFFFFF"/>
+                </a:highlight>
+                <a:latin typeface="微軟正黑體" panose="020B0604030504040204" pitchFamily="34" charset="-120"/>
+                <a:ea typeface="微軟正黑體" panose="020B0604030504040204" pitchFamily="34" charset="-120"/>
+              </a:rPr>
+              <a:t>、</a:t>
+            </a:r>
+            <a:r>
+              <a:rPr lang="en-US" altLang="zh-TW" b="1" i="0" dirty="0">
+                <a:solidFill>
+                  <a:srgbClr val="1F2328"/>
+                </a:solidFill>
+                <a:effectLst/>
+                <a:highlight>
+                  <a:srgbClr val="FFFFFF"/>
+                </a:highlight>
+                <a:latin typeface="微軟正黑體" panose="020B0604030504040204" pitchFamily="34" charset="-120"/>
+                <a:ea typeface="微軟正黑體" panose="020B0604030504040204" pitchFamily="34" charset="-120"/>
+              </a:rPr>
+              <a:t>ppt</a:t>
+            </a:r>
+            <a:r>
+              <a:rPr lang="zh-TW" altLang="en-US" b="1" i="0" dirty="0">
+                <a:solidFill>
+                  <a:srgbClr val="1F2328"/>
+                </a:solidFill>
+                <a:effectLst/>
+                <a:highlight>
+                  <a:srgbClr val="FFFFFF"/>
+                </a:highlight>
+                <a:latin typeface="微軟正黑體" panose="020B0604030504040204" pitchFamily="34" charset="-120"/>
+                <a:ea typeface="微軟正黑體" panose="020B0604030504040204" pitchFamily="34" charset="-120"/>
+              </a:rPr>
+              <a:t>製作</a:t>
+            </a:r>
+            <a:endParaRPr lang="en-US" altLang="zh-TW" b="1" i="0" dirty="0">
+              <a:solidFill>
+                <a:srgbClr val="1F2328"/>
+              </a:solidFill>
+              <a:effectLst/>
+              <a:highlight>
+                <a:srgbClr val="FFFFFF"/>
+              </a:highlight>
+              <a:latin typeface="微軟正黑體" panose="020B0604030504040204" pitchFamily="34" charset="-120"/>
+              <a:ea typeface="微軟正黑體" panose="020B0604030504040204" pitchFamily="34" charset="-120"/>
+            </a:endParaRPr>
+          </a:p>
+          <a:p>
+            <a:pPr marL="0" indent="0">
+              <a:buNone/>
+            </a:pPr>
+            <a:endParaRPr lang="zh-TW" altLang="en-US" dirty="0"/>
+          </a:p>
+        </p:txBody>
+      </p:sp>
+    </p:spTree>
+    <p:extLst>
+      <p:ext uri="{BB962C8B-B14F-4D97-AF65-F5344CB8AC3E}">
+        <p14:creationId xmlns:p14="http://schemas.microsoft.com/office/powerpoint/2010/main" val="2073224845"/>
+      </p:ext>
+    </p:extLst>
+  </p:cSld>
+  <p:clrMapOvr>
+    <a:masterClrMapping/>
+  </p:clrMapOvr>
+</p:sld>
+</file>
+
 <file path=ppt/slides/slide2.xml><?xml version="1.0" encoding="utf-8"?>
 <p:sld xmlns:a="http://schemas.openxmlformats.org/drawingml/2006/main" xmlns:r="http://schemas.openxmlformats.org/officeDocument/2006/relationships" xmlns:p="http://schemas.openxmlformats.org/presentationml/2006/main">
   <p:cSld>
@@ -3226,12 +4728,12 @@
         <p:spPr/>
         <p:txBody>
           <a:bodyPr>
-            <a:normAutofit fontScale="90000"/>
+            <a:normAutofit/>
           </a:bodyPr>
           <a:lstStyle/>
           <a:p>
             <a:r>
-              <a:rPr lang="zh-TW" altLang="en-US" sz="6000" b="1" dirty="0">
+              <a:rPr lang="zh-TW" altLang="en-US" sz="6700" b="1" dirty="0">
                 <a:solidFill>
                   <a:srgbClr val="1F2328"/>
                 </a:solidFill>
@@ -3244,7 +4746,7 @@
               <a:t>遊戲</a:t>
             </a:r>
             <a:r>
-              <a:rPr lang="zh-TW" altLang="en-US" sz="6000" b="1" i="0" dirty="0">
+              <a:rPr lang="zh-TW" altLang="en-US" sz="6700" b="1" i="0" dirty="0">
                 <a:solidFill>
                   <a:srgbClr val="1F2328"/>
                 </a:solidFill>
@@ -3257,18 +4759,6 @@
               </a:rPr>
               <a:t>規則</a:t>
             </a:r>
-            <a:br>
-              <a:rPr lang="zh-TW" altLang="en-US" b="1" i="0" dirty="0">
-                <a:solidFill>
-                  <a:srgbClr val="1F2328"/>
-                </a:solidFill>
-                <a:effectLst/>
-                <a:highlight>
-                  <a:srgbClr val="FFFFFF"/>
-                </a:highlight>
-                <a:latin typeface="-apple-system"/>
-              </a:rPr>
-            </a:br>
             <a:endParaRPr lang="zh-TW" altLang="en-US" dirty="0"/>
           </a:p>
         </p:txBody>
@@ -3518,12 +5008,12 @@
         <p:spPr/>
         <p:txBody>
           <a:bodyPr>
-            <a:normAutofit fontScale="90000"/>
+            <a:normAutofit/>
           </a:bodyPr>
           <a:lstStyle/>
           <a:p>
             <a:r>
-              <a:rPr lang="zh-TW" altLang="en-US" sz="6000" b="1" i="0" dirty="0">
+              <a:rPr lang="zh-TW" altLang="en-US" sz="6700" b="1" i="0" dirty="0">
                 <a:solidFill>
                   <a:srgbClr val="1F2328"/>
                 </a:solidFill>
@@ -3536,18 +5026,6 @@
               </a:rPr>
               <a:t>玩法介紹</a:t>
             </a:r>
-            <a:br>
-              <a:rPr lang="zh-TW" altLang="en-US" b="1" i="0" dirty="0">
-                <a:solidFill>
-                  <a:srgbClr val="1F2328"/>
-                </a:solidFill>
-                <a:effectLst/>
-                <a:highlight>
-                  <a:srgbClr val="FFFFFF"/>
-                </a:highlight>
-                <a:latin typeface="-apple-system"/>
-              </a:rPr>
-            </a:br>
             <a:endParaRPr lang="zh-TW" altLang="en-US" dirty="0"/>
           </a:p>
         </p:txBody>
@@ -3646,7 +5124,7 @@
         <p:spPr/>
         <p:txBody>
           <a:bodyPr>
-            <a:normAutofit fontScale="90000"/>
+            <a:normAutofit/>
           </a:bodyPr>
           <a:lstStyle/>
           <a:p>
@@ -3664,18 +5142,6 @@
               </a:rPr>
               <a:t>程式碼如何安裝執行</a:t>
             </a:r>
-            <a:br>
-              <a:rPr lang="zh-TW" altLang="en-US" b="1" i="0" dirty="0">
-                <a:solidFill>
-                  <a:srgbClr val="1F2328"/>
-                </a:solidFill>
-                <a:effectLst/>
-                <a:highlight>
-                  <a:srgbClr val="FFFFFF"/>
-                </a:highlight>
-                <a:latin typeface="-apple-system"/>
-              </a:rPr>
-            </a:br>
             <a:endParaRPr lang="zh-TW" altLang="en-US" dirty="0"/>
           </a:p>
         </p:txBody>
@@ -3790,12 +5256,12 @@
         <p:spPr/>
         <p:txBody>
           <a:bodyPr>
-            <a:normAutofit fontScale="90000"/>
+            <a:normAutofit/>
           </a:bodyPr>
           <a:lstStyle/>
           <a:p>
             <a:r>
-              <a:rPr lang="zh-TW" altLang="en-US" sz="6700" b="1" i="0" dirty="0">
+              <a:rPr lang="zh-TW" altLang="en-US" sz="6000" b="1" i="0" dirty="0">
                 <a:solidFill>
                   <a:srgbClr val="1F2328"/>
                 </a:solidFill>
@@ -3808,19 +5274,7 @@
               </a:rPr>
               <a:t>程式介紹</a:t>
             </a:r>
-            <a:br>
-              <a:rPr lang="zh-TW" altLang="en-US" b="1" i="0" dirty="0">
-                <a:solidFill>
-                  <a:srgbClr val="1F2328"/>
-                </a:solidFill>
-                <a:effectLst/>
-                <a:highlight>
-                  <a:srgbClr val="FFFFFF"/>
-                </a:highlight>
-                <a:latin typeface="-apple-system"/>
-              </a:rPr>
-            </a:br>
-            <a:endParaRPr lang="zh-TW" altLang="en-US" dirty="0"/>
+            <a:endParaRPr lang="zh-TW" altLang="en-US" sz="6000" dirty="0"/>
           </a:p>
         </p:txBody>
       </p:sp>
@@ -4222,13 +5676,20 @@
             <p:ph type="title"/>
           </p:nvPr>
         </p:nvSpPr>
-        <p:spPr/>
-        <p:txBody>
-          <a:bodyPr/>
-          <a:lstStyle/>
-          <a:p>
-            <a:r>
-              <a:rPr lang="zh-TW" altLang="en-US" b="1" i="0" dirty="0">
+        <p:spPr>
+          <a:xfrm>
+            <a:off x="754179" y="365125"/>
+            <a:ext cx="10515600" cy="1325563"/>
+          </a:xfrm>
+        </p:spPr>
+        <p:txBody>
+          <a:bodyPr>
+            <a:normAutofit/>
+          </a:bodyPr>
+          <a:lstStyle/>
+          <a:p>
+            <a:r>
+              <a:rPr lang="zh-TW" altLang="en-US" sz="6000" b="1" i="0" dirty="0">
                 <a:solidFill>
                   <a:srgbClr val="1F2328"/>
                 </a:solidFill>
@@ -4236,12 +5697,86 @@
                 <a:highlight>
                   <a:srgbClr val="FFFFFF"/>
                 </a:highlight>
-                <a:latin typeface="-apple-system"/>
+                <a:latin typeface="微軟正黑體" panose="020B0604030504040204" pitchFamily="34" charset="-120"/>
+                <a:ea typeface="微軟正黑體" panose="020B0604030504040204" pitchFamily="34" charset="-120"/>
               </a:rPr>
               <a:t>程式畫面截圖</a:t>
             </a:r>
-            <a:br>
-              <a:rPr lang="zh-TW" altLang="en-US" b="1" i="0" dirty="0">
+            <a:endParaRPr lang="zh-TW" altLang="en-US" sz="6000" dirty="0">
+              <a:latin typeface="微軟正黑體" panose="020B0604030504040204" pitchFamily="34" charset="-120"/>
+              <a:ea typeface="微軟正黑體" panose="020B0604030504040204" pitchFamily="34" charset="-120"/>
+            </a:endParaRPr>
+          </a:p>
+        </p:txBody>
+      </p:sp>
+      <p:sp>
+        <p:nvSpPr>
+          <p:cNvPr id="10" name="文字方塊 9">
+            <a:extLst>
+              <a:ext uri="{FF2B5EF4-FFF2-40B4-BE49-F238E27FC236}">
+                <a16:creationId xmlns:a16="http://schemas.microsoft.com/office/drawing/2014/main" id="{B153F692-7046-499D-5EC2-D5D142FB759F}"/>
+              </a:ext>
+            </a:extLst>
+          </p:cNvPr>
+          <p:cNvSpPr txBox="1"/>
+          <p:nvPr/>
+        </p:nvSpPr>
+        <p:spPr>
+          <a:xfrm>
+            <a:off x="754178" y="1830216"/>
+            <a:ext cx="2110942" cy="646331"/>
+          </a:xfrm>
+          <a:prstGeom prst="rect">
+            <a:avLst/>
+          </a:prstGeom>
+          <a:noFill/>
+        </p:spPr>
+        <p:txBody>
+          <a:bodyPr wrap="square" rtlCol="0">
+            <a:spAutoFit/>
+          </a:bodyPr>
+          <a:lstStyle/>
+          <a:p>
+            <a:r>
+              <a:rPr lang="zh-TW" altLang="en-US" sz="3600" b="1" dirty="0">
+                <a:latin typeface="微軟正黑體" panose="020B0604030504040204" pitchFamily="34" charset="-120"/>
+                <a:ea typeface="微軟正黑體" panose="020B0604030504040204" pitchFamily="34" charset="-120"/>
+              </a:rPr>
+              <a:t>輸入數字</a:t>
+            </a:r>
+          </a:p>
+        </p:txBody>
+      </p:sp>
+      <p:sp>
+        <p:nvSpPr>
+          <p:cNvPr id="11" name="文字方塊 10">
+            <a:extLst>
+              <a:ext uri="{FF2B5EF4-FFF2-40B4-BE49-F238E27FC236}">
+                <a16:creationId xmlns:a16="http://schemas.microsoft.com/office/drawing/2014/main" id="{6B5578E6-9EAD-29AA-1D8C-17D7E090AC33}"/>
+              </a:ext>
+            </a:extLst>
+          </p:cNvPr>
+          <p:cNvSpPr txBox="1"/>
+          <p:nvPr/>
+        </p:nvSpPr>
+        <p:spPr>
+          <a:xfrm>
+            <a:off x="7040878" y="1831632"/>
+            <a:ext cx="3877985" cy="646331"/>
+          </a:xfrm>
+          <a:prstGeom prst="rect">
+            <a:avLst/>
+          </a:prstGeom>
+          <a:noFill/>
+        </p:spPr>
+        <p:txBody>
+          <a:bodyPr wrap="none" rtlCol="0">
+            <a:spAutoFit/>
+          </a:bodyPr>
+          <a:lstStyle/>
+          <a:p>
+            <a:r>
+              <a:rPr lang="zh-TW" altLang="en-US" sz="3600" b="1" i="0" dirty="0">
                 <a:solidFill>
                   <a:srgbClr val="1F2328"/>
                 </a:solidFill>
@@ -4249,54 +5784,24 @@
                 <a:highlight>
                   <a:srgbClr val="FFFFFF"/>
                 </a:highlight>
-                <a:latin typeface="-apple-system"/>
-              </a:rPr>
-            </a:br>
-            <a:endParaRPr lang="zh-TW" altLang="en-US" dirty="0"/>
+                <a:latin typeface="微軟正黑體" panose="020B0604030504040204" pitchFamily="34" charset="-120"/>
+                <a:ea typeface="微軟正黑體" panose="020B0604030504040204" pitchFamily="34" charset="-120"/>
+              </a:rPr>
+              <a:t>產生挖空後的棋盤</a:t>
+            </a:r>
+            <a:endParaRPr lang="zh-TW" altLang="en-US" sz="3600" dirty="0">
+              <a:latin typeface="微軟正黑體" panose="020B0604030504040204" pitchFamily="34" charset="-120"/>
+              <a:ea typeface="微軟正黑體" panose="020B0604030504040204" pitchFamily="34" charset="-120"/>
+            </a:endParaRPr>
           </a:p>
         </p:txBody>
       </p:sp>
       <p:pic>
         <p:nvPicPr>
-          <p:cNvPr id="5" name="內容版面配置區 4" descr="一張含有 文字, 螢幕擷取畫面, 軟體, 多媒體軟體 的圖片&#10;&#10;自動產生的描述">
+          <p:cNvPr id="16" name="圖片 15">
             <a:extLst>
               <a:ext uri="{FF2B5EF4-FFF2-40B4-BE49-F238E27FC236}">
-                <a16:creationId xmlns:a16="http://schemas.microsoft.com/office/drawing/2014/main" id="{60410A73-28E7-833D-465D-DC8222FD1E4C}"/>
-              </a:ext>
-            </a:extLst>
-          </p:cNvPr>
-          <p:cNvPicPr>
-            <a:picLocks noGrp="1" noChangeAspect="1"/>
-          </p:cNvPicPr>
-          <p:nvPr>
-            <p:ph idx="1"/>
-          </p:nvPr>
-        </p:nvPicPr>
-        <p:blipFill>
-          <a:blip r:embed="rId2">
-            <a:extLst>
-              <a:ext uri="{28A0092B-C50C-407E-A947-70E740481C1C}">
-                <a14:useLocalDpi xmlns:a14="http://schemas.microsoft.com/office/drawing/2010/main" val="0"/>
-              </a:ext>
-            </a:extLst>
-          </a:blip>
-          <a:stretch>
-            <a:fillRect/>
-          </a:stretch>
-        </p:blipFill>
-        <p:spPr>
-          <a:xfrm>
-            <a:off x="7292220" y="1690688"/>
-            <a:ext cx="3510323" cy="4351338"/>
-          </a:xfrm>
-        </p:spPr>
-      </p:pic>
-      <p:pic>
-        <p:nvPicPr>
-          <p:cNvPr id="9" name="圖片 8" descr="一張含有 文字, 螢幕擷取畫面, 字型 的圖片&#10;&#10;自動產生的描述">
-            <a:extLst>
-              <a:ext uri="{FF2B5EF4-FFF2-40B4-BE49-F238E27FC236}">
-                <a16:creationId xmlns:a16="http://schemas.microsoft.com/office/drawing/2014/main" id="{25DA1660-1D4D-AF68-66B8-C34D1F155268}"/>
+                <a16:creationId xmlns:a16="http://schemas.microsoft.com/office/drawing/2014/main" id="{490BC8E2-A440-085F-E2A0-B064FE0412A2}"/>
               </a:ext>
             </a:extLst>
           </p:cNvPr>
@@ -4306,107 +5811,51 @@
           <p:nvPr/>
         </p:nvPicPr>
         <p:blipFill>
-          <a:blip r:embed="rId3">
-            <a:extLst>
-              <a:ext uri="{28A0092B-C50C-407E-A947-70E740481C1C}">
-                <a14:useLocalDpi xmlns:a14="http://schemas.microsoft.com/office/drawing/2010/main" val="0"/>
-              </a:ext>
-            </a:extLst>
-          </a:blip>
+          <a:blip r:embed="rId2"/>
           <a:stretch>
             <a:fillRect/>
           </a:stretch>
         </p:blipFill>
         <p:spPr>
           <a:xfrm>
-            <a:off x="838200" y="2339081"/>
-            <a:ext cx="3505380" cy="2578233"/>
+            <a:off x="754178" y="2476547"/>
+            <a:ext cx="4016458" cy="1519045"/>
           </a:xfrm>
           <a:prstGeom prst="rect">
             <a:avLst/>
           </a:prstGeom>
         </p:spPr>
       </p:pic>
-      <p:sp>
-        <p:nvSpPr>
-          <p:cNvPr id="10" name="文字方塊 9">
+      <p:pic>
+        <p:nvPicPr>
+          <p:cNvPr id="18" name="圖片 17">
             <a:extLst>
               <a:ext uri="{FF2B5EF4-FFF2-40B4-BE49-F238E27FC236}">
-                <a16:creationId xmlns:a16="http://schemas.microsoft.com/office/drawing/2014/main" id="{B153F692-7046-499D-5EC2-D5D142FB759F}"/>
+                <a16:creationId xmlns:a16="http://schemas.microsoft.com/office/drawing/2014/main" id="{7AF4A764-CD96-A1A9-543A-FF30F7980913}"/>
               </a:ext>
             </a:extLst>
           </p:cNvPr>
-          <p:cNvSpPr txBox="1"/>
+          <p:cNvPicPr>
+            <a:picLocks noChangeAspect="1"/>
+          </p:cNvPicPr>
           <p:nvPr/>
-        </p:nvSpPr>
+        </p:nvPicPr>
+        <p:blipFill>
+          <a:blip r:embed="rId3"/>
+          <a:stretch>
+            <a:fillRect/>
+          </a:stretch>
+        </p:blipFill>
         <p:spPr>
           <a:xfrm>
-            <a:off x="838200" y="1830218"/>
-            <a:ext cx="1107996" cy="369332"/>
+            <a:off x="7192296" y="2551672"/>
+            <a:ext cx="3575147" cy="3941203"/>
           </a:xfrm>
           <a:prstGeom prst="rect">
             <a:avLst/>
           </a:prstGeom>
-          <a:noFill/>
         </p:spPr>
-        <p:txBody>
-          <a:bodyPr wrap="none" rtlCol="0">
-            <a:spAutoFit/>
-          </a:bodyPr>
-          <a:lstStyle/>
-          <a:p>
-            <a:r>
-              <a:rPr lang="zh-TW" altLang="en-US" dirty="0"/>
-              <a:t>輸入數字</a:t>
-            </a:r>
-          </a:p>
-        </p:txBody>
-      </p:sp>
-      <p:sp>
-        <p:nvSpPr>
-          <p:cNvPr id="11" name="文字方塊 10">
-            <a:extLst>
-              <a:ext uri="{FF2B5EF4-FFF2-40B4-BE49-F238E27FC236}">
-                <a16:creationId xmlns:a16="http://schemas.microsoft.com/office/drawing/2014/main" id="{6B5578E6-9EAD-29AA-1D8C-17D7E090AC33}"/>
-              </a:ext>
-            </a:extLst>
-          </p:cNvPr>
-          <p:cNvSpPr txBox="1"/>
-          <p:nvPr/>
-        </p:nvSpPr>
-        <p:spPr>
-          <a:xfrm>
-            <a:off x="7292220" y="1206455"/>
-            <a:ext cx="2031325" cy="369332"/>
-          </a:xfrm>
-          <a:prstGeom prst="rect">
-            <a:avLst/>
-          </a:prstGeom>
-          <a:noFill/>
-        </p:spPr>
-        <p:txBody>
-          <a:bodyPr wrap="none" rtlCol="0">
-            <a:spAutoFit/>
-          </a:bodyPr>
-          <a:lstStyle/>
-          <a:p>
-            <a:r>
-              <a:rPr lang="zh-TW" altLang="en-US" b="1" i="0" dirty="0">
-                <a:solidFill>
-                  <a:srgbClr val="1F2328"/>
-                </a:solidFill>
-                <a:effectLst/>
-                <a:highlight>
-                  <a:srgbClr val="FFFFFF"/>
-                </a:highlight>
-                <a:latin typeface="-apple-system"/>
-              </a:rPr>
-              <a:t>產生挖空後的棋盤</a:t>
-            </a:r>
-            <a:endParaRPr lang="zh-TW" altLang="en-US" dirty="0"/>
-          </a:p>
-        </p:txBody>
-      </p:sp>
+      </p:pic>
     </p:spTree>
     <p:extLst>
       <p:ext uri="{BB962C8B-B14F-4D97-AF65-F5344CB8AC3E}">
@@ -4442,7 +5891,7 @@
           <p:cNvPr id="2" name="標題 1">
             <a:extLst>
               <a:ext uri="{FF2B5EF4-FFF2-40B4-BE49-F238E27FC236}">
-                <a16:creationId xmlns:a16="http://schemas.microsoft.com/office/drawing/2014/main" id="{8C6A96B1-4D4A-0F0C-E3C8-49F6CE929272}"/>
+                <a16:creationId xmlns:a16="http://schemas.microsoft.com/office/drawing/2014/main" id="{9931E958-7D6E-8B57-C1DA-545D7CA6A4CA}"/>
               </a:ext>
             </a:extLst>
           </p:cNvPr>
@@ -4453,10 +5902,15 @@
             <p:ph type="title"/>
           </p:nvPr>
         </p:nvSpPr>
-        <p:spPr/>
+        <p:spPr>
+          <a:xfrm>
+            <a:off x="754179" y="365125"/>
+            <a:ext cx="10515600" cy="1325563"/>
+          </a:xfrm>
+        </p:spPr>
         <p:txBody>
           <a:bodyPr>
-            <a:noAutofit/>
+            <a:normAutofit/>
           </a:bodyPr>
           <a:lstStyle/>
           <a:p>
@@ -4472,7 +5926,7 @@
                 <a:latin typeface="微軟正黑體" panose="020B0604030504040204" pitchFamily="34" charset="-120"/>
                 <a:ea typeface="微軟正黑體" panose="020B0604030504040204" pitchFamily="34" charset="-120"/>
               </a:rPr>
-              <a:t>分工資訊</a:t>
+              <a:t>程式畫面截圖</a:t>
             </a:r>
             <a:endParaRPr lang="zh-TW" altLang="en-US" sz="6000" dirty="0">
               <a:latin typeface="微軟正黑體" panose="020B0604030504040204" pitchFamily="34" charset="-120"/>
@@ -4483,30 +5937,119 @@
       </p:sp>
       <p:sp>
         <p:nvSpPr>
-          <p:cNvPr id="3" name="內容版面配置區 2">
+          <p:cNvPr id="10" name="文字方塊 9">
             <a:extLst>
               <a:ext uri="{FF2B5EF4-FFF2-40B4-BE49-F238E27FC236}">
-                <a16:creationId xmlns:a16="http://schemas.microsoft.com/office/drawing/2014/main" id="{A1DE09F1-2260-7AF5-BEEF-833933F4CDD5}"/>
+                <a16:creationId xmlns:a16="http://schemas.microsoft.com/office/drawing/2014/main" id="{B153F692-7046-499D-5EC2-D5D142FB759F}"/>
               </a:ext>
             </a:extLst>
           </p:cNvPr>
-          <p:cNvSpPr>
-            <a:spLocks noGrp="1"/>
-          </p:cNvSpPr>
-          <p:nvPr>
-            <p:ph idx="1"/>
-          </p:nvPr>
-        </p:nvSpPr>
-        <p:spPr/>
-        <p:txBody>
-          <a:bodyPr/>
-          <a:lstStyle/>
-          <a:p>
-            <a:pPr marL="0" indent="0">
-              <a:buNone/>
+          <p:cNvSpPr txBox="1"/>
+          <p:nvPr/>
+        </p:nvSpPr>
+        <p:spPr>
+          <a:xfrm>
+            <a:off x="754178" y="1830216"/>
+            <a:ext cx="2110942" cy="646331"/>
+          </a:xfrm>
+          <a:prstGeom prst="rect">
+            <a:avLst/>
+          </a:prstGeom>
+          <a:noFill/>
+        </p:spPr>
+        <p:txBody>
+          <a:bodyPr wrap="square" rtlCol="0">
+            <a:spAutoFit/>
+          </a:bodyPr>
+          <a:lstStyle/>
+          <a:p>
+            <a:pPr marL="0" marR="0" lvl="0" indent="0" algn="l" defTabSz="457200" rtl="0" eaLnBrk="1" fontAlgn="auto" latinLnBrk="0" hangingPunct="1">
+              <a:lnSpc>
+                <a:spcPct val="100000"/>
+              </a:lnSpc>
+              <a:spcBef>
+                <a:spcPts val="0"/>
+              </a:spcBef>
+              <a:spcAft>
+                <a:spcPts val="0"/>
+              </a:spcAft>
+              <a:buClrTx/>
+              <a:buSzTx/>
+              <a:buFontTx/>
+              <a:buNone/>
+              <a:tabLst/>
+              <a:defRPr/>
             </a:pPr>
             <a:r>
-              <a:rPr lang="zh-TW" altLang="en-US" b="1" i="0" dirty="0">
+              <a:rPr kumimoji="0" lang="zh-TW" altLang="en-US" sz="3600" b="1" i="0" u="none" strike="noStrike" kern="1200" cap="none" spc="0" normalizeH="0" baseline="0" noProof="0" dirty="0">
+                <a:ln>
+                  <a:noFill/>
+                </a:ln>
+                <a:solidFill>
+                  <a:prstClr val="black"/>
+                </a:solidFill>
+                <a:effectLst/>
+                <a:uLnTx/>
+                <a:uFillTx/>
+                <a:latin typeface="微軟正黑體" panose="020B0604030504040204" pitchFamily="34" charset="-120"/>
+                <a:ea typeface="微軟正黑體" panose="020B0604030504040204" pitchFamily="34" charset="-120"/>
+                <a:cs typeface="+mn-cs"/>
+              </a:rPr>
+              <a:t>輸入數字</a:t>
+            </a:r>
+          </a:p>
+        </p:txBody>
+      </p:sp>
+      <p:sp>
+        <p:nvSpPr>
+          <p:cNvPr id="11" name="文字方塊 10">
+            <a:extLst>
+              <a:ext uri="{FF2B5EF4-FFF2-40B4-BE49-F238E27FC236}">
+                <a16:creationId xmlns:a16="http://schemas.microsoft.com/office/drawing/2014/main" id="{6B5578E6-9EAD-29AA-1D8C-17D7E090AC33}"/>
+              </a:ext>
+            </a:extLst>
+          </p:cNvPr>
+          <p:cNvSpPr txBox="1"/>
+          <p:nvPr/>
+        </p:nvSpPr>
+        <p:spPr>
+          <a:xfrm>
+            <a:off x="7040878" y="1831632"/>
+            <a:ext cx="3877985" cy="646331"/>
+          </a:xfrm>
+          <a:prstGeom prst="rect">
+            <a:avLst/>
+          </a:prstGeom>
+          <a:noFill/>
+        </p:spPr>
+        <p:txBody>
+          <a:bodyPr wrap="none" rtlCol="0">
+            <a:spAutoFit/>
+          </a:bodyPr>
+          <a:lstStyle/>
+          <a:p>
+            <a:pPr marL="0" marR="0" lvl="0" indent="0" algn="l" defTabSz="457200" rtl="0" eaLnBrk="1" fontAlgn="auto" latinLnBrk="0" hangingPunct="1">
+              <a:lnSpc>
+                <a:spcPct val="100000"/>
+              </a:lnSpc>
+              <a:spcBef>
+                <a:spcPts val="0"/>
+              </a:spcBef>
+              <a:spcAft>
+                <a:spcPts val="0"/>
+              </a:spcAft>
+              <a:buClrTx/>
+              <a:buSzTx/>
+              <a:buFontTx/>
+              <a:buNone/>
+              <a:tabLst/>
+              <a:defRPr/>
+            </a:pPr>
+            <a:r>
+              <a:rPr kumimoji="0" lang="zh-TW" altLang="en-US" sz="3600" b="1" i="0" u="none" strike="noStrike" kern="1200" cap="none" spc="0" normalizeH="0" baseline="0" noProof="0" dirty="0">
+                <a:ln>
+                  <a:noFill/>
+                </a:ln>
                 <a:solidFill>
                   <a:srgbClr val="1F2328"/>
                 </a:solidFill>
@@ -4514,248 +6057,101 @@
                 <a:highlight>
                   <a:srgbClr val="FFFFFF"/>
                 </a:highlight>
-                <a:latin typeface="微軟正黑體" panose="020B0604030504040204" pitchFamily="34" charset="-120"/>
-                <a:ea typeface="微軟正黑體" panose="020B0604030504040204" pitchFamily="34" charset="-120"/>
-              </a:rPr>
-              <a:t>陳任璿</a:t>
-            </a:r>
-            <a:r>
-              <a:rPr lang="en-US" altLang="zh-TW" b="1" i="0" dirty="0">
-                <a:solidFill>
-                  <a:srgbClr val="1F2328"/>
-                </a:solidFill>
-                <a:effectLst/>
-                <a:highlight>
-                  <a:srgbClr val="FFFFFF"/>
-                </a:highlight>
-                <a:latin typeface="微軟正黑體" panose="020B0604030504040204" pitchFamily="34" charset="-120"/>
-                <a:ea typeface="微軟正黑體" panose="020B0604030504040204" pitchFamily="34" charset="-120"/>
-              </a:rPr>
-              <a:t>:</a:t>
-            </a:r>
-            <a:r>
-              <a:rPr lang="zh-TW" altLang="en-US" b="1" i="0" dirty="0">
-                <a:solidFill>
-                  <a:srgbClr val="1F2328"/>
-                </a:solidFill>
-                <a:effectLst/>
-                <a:highlight>
-                  <a:srgbClr val="FFFFFF"/>
-                </a:highlight>
-                <a:latin typeface="微軟正黑體" panose="020B0604030504040204" pitchFamily="34" charset="-120"/>
-                <a:ea typeface="微軟正黑體" panose="020B0604030504040204" pitchFamily="34" charset="-120"/>
-              </a:rPr>
-              <a:t>編輯程式、提供消遣影片</a:t>
-            </a:r>
-            <a:endParaRPr lang="en-US" altLang="zh-TW" b="1" i="0" dirty="0">
+                <a:uLnTx/>
+                <a:uFillTx/>
+                <a:latin typeface="微軟正黑體" panose="020B0604030504040204" pitchFamily="34" charset="-120"/>
+                <a:ea typeface="微軟正黑體" panose="020B0604030504040204" pitchFamily="34" charset="-120"/>
+                <a:cs typeface="+mn-cs"/>
+              </a:rPr>
+              <a:t>產生挖空後的棋盤</a:t>
+            </a:r>
+            <a:endParaRPr kumimoji="0" lang="zh-TW" altLang="en-US" sz="3600" b="0" i="0" u="none" strike="noStrike" kern="1200" cap="none" spc="0" normalizeH="0" baseline="0" noProof="0" dirty="0">
+              <a:ln>
+                <a:noFill/>
+              </a:ln>
               <a:solidFill>
-                <a:srgbClr val="1F2328"/>
+                <a:prstClr val="black"/>
               </a:solidFill>
               <a:effectLst/>
-              <a:highlight>
-                <a:srgbClr val="FFFFFF"/>
-              </a:highlight>
+              <a:uLnTx/>
+              <a:uFillTx/>
               <a:latin typeface="微軟正黑體" panose="020B0604030504040204" pitchFamily="34" charset="-120"/>
               <a:ea typeface="微軟正黑體" panose="020B0604030504040204" pitchFamily="34" charset="-120"/>
+              <a:cs typeface="+mn-cs"/>
             </a:endParaRPr>
           </a:p>
-          <a:p>
-            <a:pPr marL="0" indent="0">
-              <a:buNone/>
-            </a:pPr>
-            <a:r>
-              <a:rPr lang="zh-TW" altLang="en-US" b="1" i="0" dirty="0">
-                <a:solidFill>
-                  <a:srgbClr val="1F2328"/>
-                </a:solidFill>
-                <a:effectLst/>
-                <a:highlight>
-                  <a:srgbClr val="FFFFFF"/>
-                </a:highlight>
-                <a:latin typeface="微軟正黑體" panose="020B0604030504040204" pitchFamily="34" charset="-120"/>
-                <a:ea typeface="微軟正黑體" panose="020B0604030504040204" pitchFamily="34" charset="-120"/>
-              </a:rPr>
-              <a:t>宋承哲</a:t>
-            </a:r>
-            <a:r>
-              <a:rPr lang="en-US" altLang="zh-TW" b="1" i="0" dirty="0">
-                <a:solidFill>
-                  <a:srgbClr val="1F2328"/>
-                </a:solidFill>
-                <a:effectLst/>
-                <a:highlight>
-                  <a:srgbClr val="FFFFFF"/>
-                </a:highlight>
-                <a:latin typeface="微軟正黑體" panose="020B0604030504040204" pitchFamily="34" charset="-120"/>
-                <a:ea typeface="微軟正黑體" panose="020B0604030504040204" pitchFamily="34" charset="-120"/>
-              </a:rPr>
-              <a:t>:</a:t>
-            </a:r>
-            <a:r>
-              <a:rPr lang="zh-TW" altLang="en-US" b="1" i="0" dirty="0">
-                <a:solidFill>
-                  <a:srgbClr val="1F2328"/>
-                </a:solidFill>
-                <a:effectLst/>
-                <a:highlight>
-                  <a:srgbClr val="FFFFFF"/>
-                </a:highlight>
-                <a:latin typeface="微軟正黑體" panose="020B0604030504040204" pitchFamily="34" charset="-120"/>
-                <a:ea typeface="微軟正黑體" panose="020B0604030504040204" pitchFamily="34" charset="-120"/>
-              </a:rPr>
-              <a:t>編輯程式、</a:t>
-            </a:r>
-            <a:r>
-              <a:rPr lang="en-US" altLang="zh-TW" b="1" i="0" dirty="0">
-                <a:solidFill>
-                  <a:srgbClr val="1F2328"/>
-                </a:solidFill>
-                <a:effectLst/>
-                <a:highlight>
-                  <a:srgbClr val="FFFFFF"/>
-                </a:highlight>
-                <a:latin typeface="微軟正黑體" panose="020B0604030504040204" pitchFamily="34" charset="-120"/>
-                <a:ea typeface="微軟正黑體" panose="020B0604030504040204" pitchFamily="34" charset="-120"/>
-              </a:rPr>
-              <a:t>ppt</a:t>
-            </a:r>
-            <a:r>
-              <a:rPr lang="zh-TW" altLang="en-US" b="1" i="0" dirty="0">
-                <a:solidFill>
-                  <a:srgbClr val="1F2328"/>
-                </a:solidFill>
-                <a:effectLst/>
-                <a:highlight>
-                  <a:srgbClr val="FFFFFF"/>
-                </a:highlight>
-                <a:latin typeface="微軟正黑體" panose="020B0604030504040204" pitchFamily="34" charset="-120"/>
-                <a:ea typeface="微軟正黑體" panose="020B0604030504040204" pitchFamily="34" charset="-120"/>
-              </a:rPr>
-              <a:t>製作</a:t>
-            </a:r>
-            <a:endParaRPr lang="en-US" altLang="zh-TW" b="1" i="0" dirty="0">
-              <a:solidFill>
-                <a:srgbClr val="1F2328"/>
-              </a:solidFill>
-              <a:effectLst/>
-              <a:highlight>
-                <a:srgbClr val="FFFFFF"/>
-              </a:highlight>
-              <a:latin typeface="微軟正黑體" panose="020B0604030504040204" pitchFamily="34" charset="-120"/>
-              <a:ea typeface="微軟正黑體" panose="020B0604030504040204" pitchFamily="34" charset="-120"/>
-            </a:endParaRPr>
-          </a:p>
-          <a:p>
-            <a:pPr marL="0" indent="0">
-              <a:buNone/>
-            </a:pPr>
-            <a:r>
-              <a:rPr lang="zh-TW" altLang="en-US" b="1" i="0" dirty="0">
-                <a:solidFill>
-                  <a:srgbClr val="1F2328"/>
-                </a:solidFill>
-                <a:effectLst/>
-                <a:highlight>
-                  <a:srgbClr val="FFFFFF"/>
-                </a:highlight>
-                <a:latin typeface="微軟正黑體" panose="020B0604030504040204" pitchFamily="34" charset="-120"/>
-                <a:ea typeface="微軟正黑體" panose="020B0604030504040204" pitchFamily="34" charset="-120"/>
-              </a:rPr>
-              <a:t>王翌權</a:t>
-            </a:r>
-            <a:r>
-              <a:rPr lang="en-US" altLang="zh-TW" b="1" i="0" dirty="0">
-                <a:solidFill>
-                  <a:srgbClr val="1F2328"/>
-                </a:solidFill>
-                <a:effectLst/>
-                <a:highlight>
-                  <a:srgbClr val="FFFFFF"/>
-                </a:highlight>
-                <a:latin typeface="微軟正黑體" panose="020B0604030504040204" pitchFamily="34" charset="-120"/>
-                <a:ea typeface="微軟正黑體" panose="020B0604030504040204" pitchFamily="34" charset="-120"/>
-              </a:rPr>
-              <a:t>:</a:t>
-            </a:r>
-            <a:r>
-              <a:rPr lang="zh-TW" altLang="en-US" b="1" i="0" dirty="0">
-                <a:solidFill>
-                  <a:srgbClr val="1F2328"/>
-                </a:solidFill>
-                <a:effectLst/>
-                <a:highlight>
-                  <a:srgbClr val="FFFFFF"/>
-                </a:highlight>
-                <a:latin typeface="微軟正黑體" panose="020B0604030504040204" pitchFamily="34" charset="-120"/>
-                <a:ea typeface="微軟正黑體" panose="020B0604030504040204" pitchFamily="34" charset="-120"/>
-              </a:rPr>
-              <a:t>編輯程式</a:t>
-            </a:r>
-            <a:r>
-              <a:rPr lang="zh-TW" altLang="en-US" b="1" dirty="0">
-                <a:solidFill>
-                  <a:srgbClr val="1F2328"/>
-                </a:solidFill>
-                <a:highlight>
-                  <a:srgbClr val="FFFFFF"/>
-                </a:highlight>
-                <a:latin typeface="微軟正黑體" panose="020B0604030504040204" pitchFamily="34" charset="-120"/>
-                <a:ea typeface="微軟正黑體" panose="020B0604030504040204" pitchFamily="34" charset="-120"/>
-              </a:rPr>
-              <a:t>、</a:t>
-            </a:r>
-            <a:r>
-              <a:rPr lang="en-US" altLang="zh-TW" b="1" i="0" dirty="0">
-                <a:solidFill>
-                  <a:srgbClr val="1F2328"/>
-                </a:solidFill>
-                <a:effectLst/>
-                <a:highlight>
-                  <a:srgbClr val="FFFFFF"/>
-                </a:highlight>
-                <a:latin typeface="微軟正黑體" panose="020B0604030504040204" pitchFamily="34" charset="-120"/>
-                <a:ea typeface="微軟正黑體" panose="020B0604030504040204" pitchFamily="34" charset="-120"/>
-              </a:rPr>
-              <a:t>ppt</a:t>
-            </a:r>
-            <a:r>
-              <a:rPr lang="zh-TW" altLang="en-US" b="1" i="0" dirty="0">
-                <a:solidFill>
-                  <a:srgbClr val="1F2328"/>
-                </a:solidFill>
-                <a:effectLst/>
-                <a:highlight>
-                  <a:srgbClr val="FFFFFF"/>
-                </a:highlight>
-                <a:latin typeface="微軟正黑體" panose="020B0604030504040204" pitchFamily="34" charset="-120"/>
-                <a:ea typeface="微軟正黑體" panose="020B0604030504040204" pitchFamily="34" charset="-120"/>
-              </a:rPr>
-              <a:t>製作</a:t>
-            </a:r>
-            <a:endParaRPr lang="en-US" altLang="zh-TW" b="1" i="0" dirty="0">
-              <a:solidFill>
-                <a:srgbClr val="1F2328"/>
-              </a:solidFill>
-              <a:effectLst/>
-              <a:highlight>
-                <a:srgbClr val="FFFFFF"/>
-              </a:highlight>
-              <a:latin typeface="微軟正黑體" panose="020B0604030504040204" pitchFamily="34" charset="-120"/>
-              <a:ea typeface="微軟正黑體" panose="020B0604030504040204" pitchFamily="34" charset="-120"/>
-            </a:endParaRPr>
-          </a:p>
-          <a:p>
-            <a:pPr marL="0" indent="0">
-              <a:buNone/>
-            </a:pPr>
-            <a:endParaRPr lang="zh-TW" altLang="en-US" dirty="0"/>
-          </a:p>
-        </p:txBody>
-      </p:sp>
+        </p:txBody>
+      </p:sp>
+      <p:pic>
+        <p:nvPicPr>
+          <p:cNvPr id="16" name="圖片 15">
+            <a:extLst>
+              <a:ext uri="{FF2B5EF4-FFF2-40B4-BE49-F238E27FC236}">
+                <a16:creationId xmlns:a16="http://schemas.microsoft.com/office/drawing/2014/main" id="{490BC8E2-A440-085F-E2A0-B064FE0412A2}"/>
+              </a:ext>
+            </a:extLst>
+          </p:cNvPr>
+          <p:cNvPicPr>
+            <a:picLocks noChangeAspect="1"/>
+          </p:cNvPicPr>
+          <p:nvPr/>
+        </p:nvPicPr>
+        <p:blipFill>
+          <a:blip r:embed="rId2"/>
+          <a:stretch>
+            <a:fillRect/>
+          </a:stretch>
+        </p:blipFill>
+        <p:spPr>
+          <a:xfrm>
+            <a:off x="754178" y="2476547"/>
+            <a:ext cx="4016458" cy="1519045"/>
+          </a:xfrm>
+          <a:prstGeom prst="rect">
+            <a:avLst/>
+          </a:prstGeom>
+        </p:spPr>
+      </p:pic>
+      <p:pic>
+        <p:nvPicPr>
+          <p:cNvPr id="4" name="圖片 3" descr="一張含有 文字, 字型, 螢幕擷取畫面, 數字 的圖片&#10;&#10;自動產生的描述">
+            <a:extLst>
+              <a:ext uri="{FF2B5EF4-FFF2-40B4-BE49-F238E27FC236}">
+                <a16:creationId xmlns:a16="http://schemas.microsoft.com/office/drawing/2014/main" id="{086B0411-2674-C240-29A8-5757EF00ED33}"/>
+              </a:ext>
+            </a:extLst>
+          </p:cNvPr>
+          <p:cNvPicPr>
+            <a:picLocks noChangeAspect="1"/>
+          </p:cNvPicPr>
+          <p:nvPr/>
+        </p:nvPicPr>
+        <p:blipFill>
+          <a:blip r:embed="rId3">
+            <a:extLst>
+              <a:ext uri="{28A0092B-C50C-407E-A947-70E740481C1C}">
+                <a14:useLocalDpi xmlns:a14="http://schemas.microsoft.com/office/drawing/2010/main" val="0"/>
+              </a:ext>
+            </a:extLst>
+          </a:blip>
+          <a:stretch>
+            <a:fillRect/>
+          </a:stretch>
+        </p:blipFill>
+        <p:spPr>
+          <a:xfrm>
+            <a:off x="7171629" y="2476547"/>
+            <a:ext cx="3643295" cy="4016328"/>
+          </a:xfrm>
+          <a:prstGeom prst="rect">
+            <a:avLst/>
+          </a:prstGeom>
+        </p:spPr>
+      </p:pic>
     </p:spTree>
     <p:extLst>
       <p:ext uri="{BB962C8B-B14F-4D97-AF65-F5344CB8AC3E}">
-        <p14:creationId xmlns:p14="http://schemas.microsoft.com/office/powerpoint/2010/main" val="2073224845"/>
+        <p14:creationId xmlns:p14="http://schemas.microsoft.com/office/powerpoint/2010/main" val="3255962363"/>
       </p:ext>
     </p:extLst>
   </p:cSld>

--- a/數獨.pptx
+++ b/數獨.pptx
@@ -12,12 +12,11 @@
     <p:sldId id="262" r:id="rId6"/>
     <p:sldId id="265" r:id="rId7"/>
     <p:sldId id="266" r:id="rId8"/>
-    <p:sldId id="263" r:id="rId9"/>
-    <p:sldId id="268" r:id="rId10"/>
-    <p:sldId id="269" r:id="rId11"/>
-    <p:sldId id="270" r:id="rId12"/>
-    <p:sldId id="271" r:id="rId13"/>
-    <p:sldId id="264" r:id="rId14"/>
+    <p:sldId id="268" r:id="rId9"/>
+    <p:sldId id="269" r:id="rId10"/>
+    <p:sldId id="270" r:id="rId11"/>
+    <p:sldId id="271" r:id="rId12"/>
+    <p:sldId id="264" r:id="rId13"/>
   </p:sldIdLst>
   <p:sldSz cx="12192000" cy="6858000"/>
   <p:notesSz cx="6858000" cy="9144000"/>
@@ -255,7 +254,7 @@
           <a:p>
             <a:fld id="{954A3423-CE74-4634-8FA2-2356EE019AEC}" type="datetimeFigureOut">
               <a:rPr lang="zh-TW" altLang="en-US" smtClean="0"/>
-              <a:t>2024/6/18</a:t>
+              <a:t>2024/6/19</a:t>
             </a:fld>
             <a:endParaRPr lang="zh-TW" altLang="en-US"/>
           </a:p>
@@ -425,7 +424,7 @@
           <a:p>
             <a:fld id="{954A3423-CE74-4634-8FA2-2356EE019AEC}" type="datetimeFigureOut">
               <a:rPr lang="zh-TW" altLang="en-US" smtClean="0"/>
-              <a:t>2024/6/18</a:t>
+              <a:t>2024/6/19</a:t>
             </a:fld>
             <a:endParaRPr lang="zh-TW" altLang="en-US"/>
           </a:p>
@@ -605,7 +604,7 @@
           <a:p>
             <a:fld id="{954A3423-CE74-4634-8FA2-2356EE019AEC}" type="datetimeFigureOut">
               <a:rPr lang="zh-TW" altLang="en-US" smtClean="0"/>
-              <a:t>2024/6/18</a:t>
+              <a:t>2024/6/19</a:t>
             </a:fld>
             <a:endParaRPr lang="zh-TW" altLang="en-US"/>
           </a:p>
@@ -775,7 +774,7 @@
           <a:p>
             <a:fld id="{954A3423-CE74-4634-8FA2-2356EE019AEC}" type="datetimeFigureOut">
               <a:rPr lang="zh-TW" altLang="en-US" smtClean="0"/>
-              <a:t>2024/6/18</a:t>
+              <a:t>2024/6/19</a:t>
             </a:fld>
             <a:endParaRPr lang="zh-TW" altLang="en-US"/>
           </a:p>
@@ -1021,7 +1020,7 @@
           <a:p>
             <a:fld id="{954A3423-CE74-4634-8FA2-2356EE019AEC}" type="datetimeFigureOut">
               <a:rPr lang="zh-TW" altLang="en-US" smtClean="0"/>
-              <a:t>2024/6/18</a:t>
+              <a:t>2024/6/19</a:t>
             </a:fld>
             <a:endParaRPr lang="zh-TW" altLang="en-US"/>
           </a:p>
@@ -1253,7 +1252,7 @@
           <a:p>
             <a:fld id="{954A3423-CE74-4634-8FA2-2356EE019AEC}" type="datetimeFigureOut">
               <a:rPr lang="zh-TW" altLang="en-US" smtClean="0"/>
-              <a:t>2024/6/18</a:t>
+              <a:t>2024/6/19</a:t>
             </a:fld>
             <a:endParaRPr lang="zh-TW" altLang="en-US"/>
           </a:p>
@@ -1620,7 +1619,7 @@
           <a:p>
             <a:fld id="{954A3423-CE74-4634-8FA2-2356EE019AEC}" type="datetimeFigureOut">
               <a:rPr lang="zh-TW" altLang="en-US" smtClean="0"/>
-              <a:t>2024/6/18</a:t>
+              <a:t>2024/6/19</a:t>
             </a:fld>
             <a:endParaRPr lang="zh-TW" altLang="en-US"/>
           </a:p>
@@ -1738,7 +1737,7 @@
           <a:p>
             <a:fld id="{954A3423-CE74-4634-8FA2-2356EE019AEC}" type="datetimeFigureOut">
               <a:rPr lang="zh-TW" altLang="en-US" smtClean="0"/>
-              <a:t>2024/6/18</a:t>
+              <a:t>2024/6/19</a:t>
             </a:fld>
             <a:endParaRPr lang="zh-TW" altLang="en-US"/>
           </a:p>
@@ -1833,7 +1832,7 @@
           <a:p>
             <a:fld id="{954A3423-CE74-4634-8FA2-2356EE019AEC}" type="datetimeFigureOut">
               <a:rPr lang="zh-TW" altLang="en-US" smtClean="0"/>
-              <a:t>2024/6/18</a:t>
+              <a:t>2024/6/19</a:t>
             </a:fld>
             <a:endParaRPr lang="zh-TW" altLang="en-US"/>
           </a:p>
@@ -2110,7 +2109,7 @@
           <a:p>
             <a:fld id="{954A3423-CE74-4634-8FA2-2356EE019AEC}" type="datetimeFigureOut">
               <a:rPr lang="zh-TW" altLang="en-US" smtClean="0"/>
-              <a:t>2024/6/18</a:t>
+              <a:t>2024/6/19</a:t>
             </a:fld>
             <a:endParaRPr lang="zh-TW" altLang="en-US"/>
           </a:p>
@@ -2367,7 +2366,7 @@
           <a:p>
             <a:fld id="{954A3423-CE74-4634-8FA2-2356EE019AEC}" type="datetimeFigureOut">
               <a:rPr lang="zh-TW" altLang="en-US" smtClean="0"/>
-              <a:t>2024/6/18</a:t>
+              <a:t>2024/6/19</a:t>
             </a:fld>
             <a:endParaRPr lang="zh-TW" altLang="en-US"/>
           </a:p>
@@ -2580,7 +2579,7 @@
           <a:p>
             <a:fld id="{954A3423-CE74-4634-8FA2-2356EE019AEC}" type="datetimeFigureOut">
               <a:rPr lang="zh-TW" altLang="en-US" smtClean="0"/>
-              <a:t>2024/6/18</a:t>
+              <a:t>2024/6/19</a:t>
             </a:fld>
             <a:endParaRPr lang="zh-TW" altLang="en-US"/>
           </a:p>
@@ -3279,388 +3278,6 @@
         </p:nvSpPr>
         <p:spPr>
           <a:xfrm>
-            <a:off x="754178" y="1830216"/>
-            <a:ext cx="4071822" cy="1200329"/>
-          </a:xfrm>
-          <a:prstGeom prst="rect">
-            <a:avLst/>
-          </a:prstGeom>
-          <a:noFill/>
-        </p:spPr>
-        <p:txBody>
-          <a:bodyPr wrap="square" rtlCol="0">
-            <a:spAutoFit/>
-          </a:bodyPr>
-          <a:lstStyle/>
-          <a:p>
-            <a:pPr marL="0" marR="0" lvl="0" indent="0" algn="l" defTabSz="457200" rtl="0" eaLnBrk="1" fontAlgn="auto" latinLnBrk="0" hangingPunct="1">
-              <a:lnSpc>
-                <a:spcPct val="100000"/>
-              </a:lnSpc>
-              <a:spcBef>
-                <a:spcPts val="0"/>
-              </a:spcBef>
-              <a:spcAft>
-                <a:spcPts val="0"/>
-              </a:spcAft>
-              <a:buClrTx/>
-              <a:buSzTx/>
-              <a:buFontTx/>
-              <a:buNone/>
-              <a:tabLst/>
-              <a:defRPr/>
-            </a:pPr>
-            <a:r>
-              <a:rPr kumimoji="0" lang="zh-TW" altLang="en-US" sz="3600" b="1" i="0" u="none" strike="noStrike" kern="1200" cap="none" spc="0" normalizeH="0" baseline="0" noProof="0" dirty="0">
-                <a:ln>
-                  <a:noFill/>
-                </a:ln>
-                <a:solidFill>
-                  <a:prstClr val="black"/>
-                </a:solidFill>
-                <a:effectLst/>
-                <a:uLnTx/>
-                <a:uFillTx/>
-                <a:latin typeface="微軟正黑體" panose="020B0604030504040204" pitchFamily="34" charset="-120"/>
-                <a:ea typeface="微軟正黑體" panose="020B0604030504040204" pitchFamily="34" charset="-120"/>
-                <a:cs typeface="+mn-cs"/>
-              </a:rPr>
-              <a:t>輸入要修改的數字</a:t>
-            </a:r>
-            <a:endParaRPr kumimoji="0" lang="en-US" altLang="zh-TW" sz="3600" b="1" i="0" u="none" strike="noStrike" kern="1200" cap="none" spc="0" normalizeH="0" baseline="0" noProof="0" dirty="0">
-              <a:ln>
-                <a:noFill/>
-              </a:ln>
-              <a:solidFill>
-                <a:prstClr val="black"/>
-              </a:solidFill>
-              <a:effectLst/>
-              <a:uLnTx/>
-              <a:uFillTx/>
-              <a:latin typeface="微軟正黑體" panose="020B0604030504040204" pitchFamily="34" charset="-120"/>
-              <a:ea typeface="微軟正黑體" panose="020B0604030504040204" pitchFamily="34" charset="-120"/>
-              <a:cs typeface="+mn-cs"/>
-            </a:endParaRPr>
-          </a:p>
-          <a:p>
-            <a:pPr marL="0" marR="0" lvl="0" indent="0" algn="l" defTabSz="457200" rtl="0" eaLnBrk="1" fontAlgn="auto" latinLnBrk="0" hangingPunct="1">
-              <a:lnSpc>
-                <a:spcPct val="100000"/>
-              </a:lnSpc>
-              <a:spcBef>
-                <a:spcPts val="0"/>
-              </a:spcBef>
-              <a:spcAft>
-                <a:spcPts val="0"/>
-              </a:spcAft>
-              <a:buClrTx/>
-              <a:buSzTx/>
-              <a:buFontTx/>
-              <a:buNone/>
-              <a:tabLst/>
-              <a:defRPr/>
-            </a:pPr>
-            <a:r>
-              <a:rPr lang="en-US" altLang="zh-TW" sz="3600" b="1" dirty="0">
-                <a:solidFill>
-                  <a:prstClr val="black"/>
-                </a:solidFill>
-                <a:latin typeface="微軟正黑體" panose="020B0604030504040204" pitchFamily="34" charset="-120"/>
-                <a:ea typeface="微軟正黑體" panose="020B0604030504040204" pitchFamily="34" charset="-120"/>
-              </a:rPr>
-              <a:t>(</a:t>
-            </a:r>
-            <a:r>
-              <a:rPr lang="zh-TW" altLang="en-US" sz="3600" b="1" dirty="0">
-                <a:solidFill>
-                  <a:prstClr val="black"/>
-                </a:solidFill>
-                <a:latin typeface="微軟正黑體" panose="020B0604030504040204" pitchFamily="34" charset="-120"/>
-                <a:ea typeface="微軟正黑體" panose="020B0604030504040204" pitchFamily="34" charset="-120"/>
-              </a:rPr>
-              <a:t>行 列 修改的數字</a:t>
-            </a:r>
-            <a:r>
-              <a:rPr lang="en-US" altLang="zh-TW" sz="3600" b="1" dirty="0">
-                <a:solidFill>
-                  <a:prstClr val="black"/>
-                </a:solidFill>
-                <a:latin typeface="微軟正黑體" panose="020B0604030504040204" pitchFamily="34" charset="-120"/>
-                <a:ea typeface="微軟正黑體" panose="020B0604030504040204" pitchFamily="34" charset="-120"/>
-              </a:rPr>
-              <a:t>)</a:t>
-            </a:r>
-            <a:endParaRPr kumimoji="0" lang="zh-TW" altLang="en-US" sz="3600" b="1" i="0" u="none" strike="noStrike" kern="1200" cap="none" spc="0" normalizeH="0" baseline="0" noProof="0" dirty="0">
-              <a:ln>
-                <a:noFill/>
-              </a:ln>
-              <a:solidFill>
-                <a:prstClr val="black"/>
-              </a:solidFill>
-              <a:effectLst/>
-              <a:uLnTx/>
-              <a:uFillTx/>
-              <a:latin typeface="微軟正黑體" panose="020B0604030504040204" pitchFamily="34" charset="-120"/>
-              <a:ea typeface="微軟正黑體" panose="020B0604030504040204" pitchFamily="34" charset="-120"/>
-              <a:cs typeface="+mn-cs"/>
-            </a:endParaRPr>
-          </a:p>
-        </p:txBody>
-      </p:sp>
-      <p:sp>
-        <p:nvSpPr>
-          <p:cNvPr id="11" name="文字方塊 10">
-            <a:extLst>
-              <a:ext uri="{FF2B5EF4-FFF2-40B4-BE49-F238E27FC236}">
-                <a16:creationId xmlns:a16="http://schemas.microsoft.com/office/drawing/2014/main" id="{6B5578E6-9EAD-29AA-1D8C-17D7E090AC33}"/>
-              </a:ext>
-            </a:extLst>
-          </p:cNvPr>
-          <p:cNvSpPr txBox="1"/>
-          <p:nvPr/>
-        </p:nvSpPr>
-        <p:spPr>
-          <a:xfrm>
-            <a:off x="7040878" y="1831632"/>
-            <a:ext cx="2954655" cy="646331"/>
-          </a:xfrm>
-          <a:prstGeom prst="rect">
-            <a:avLst/>
-          </a:prstGeom>
-          <a:noFill/>
-        </p:spPr>
-        <p:txBody>
-          <a:bodyPr wrap="none" rtlCol="0">
-            <a:spAutoFit/>
-          </a:bodyPr>
-          <a:lstStyle/>
-          <a:p>
-            <a:pPr marL="0" marR="0" lvl="0" indent="0" algn="l" defTabSz="457200" rtl="0" eaLnBrk="1" fontAlgn="auto" latinLnBrk="0" hangingPunct="1">
-              <a:lnSpc>
-                <a:spcPct val="100000"/>
-              </a:lnSpc>
-              <a:spcBef>
-                <a:spcPts val="0"/>
-              </a:spcBef>
-              <a:spcAft>
-                <a:spcPts val="0"/>
-              </a:spcAft>
-              <a:buClrTx/>
-              <a:buSzTx/>
-              <a:buFontTx/>
-              <a:buNone/>
-              <a:tabLst/>
-              <a:defRPr/>
-            </a:pPr>
-            <a:r>
-              <a:rPr lang="zh-TW" altLang="en-US" sz="3600" b="1" dirty="0">
-                <a:solidFill>
-                  <a:srgbClr val="1F2328"/>
-                </a:solidFill>
-                <a:highlight>
-                  <a:srgbClr val="FFFFFF"/>
-                </a:highlight>
-                <a:latin typeface="微軟正黑體" panose="020B0604030504040204" pitchFamily="34" charset="-120"/>
-                <a:ea typeface="微軟正黑體" panose="020B0604030504040204" pitchFamily="34" charset="-120"/>
-              </a:rPr>
-              <a:t>填</a:t>
-            </a:r>
-            <a:r>
-              <a:rPr kumimoji="0" lang="zh-TW" altLang="en-US" sz="3600" b="1" i="0" u="none" strike="noStrike" kern="1200" cap="none" spc="0" normalizeH="0" baseline="0" noProof="0" dirty="0">
-                <a:ln>
-                  <a:noFill/>
-                </a:ln>
-                <a:solidFill>
-                  <a:srgbClr val="1F2328"/>
-                </a:solidFill>
-                <a:effectLst/>
-                <a:highlight>
-                  <a:srgbClr val="FFFFFF"/>
-                </a:highlight>
-                <a:uLnTx/>
-                <a:uFillTx/>
-                <a:latin typeface="微軟正黑體" panose="020B0604030504040204" pitchFamily="34" charset="-120"/>
-                <a:ea typeface="微軟正黑體" panose="020B0604030504040204" pitchFamily="34" charset="-120"/>
-                <a:cs typeface="+mn-cs"/>
-              </a:rPr>
-              <a:t>空後的棋盤</a:t>
-            </a:r>
-            <a:endParaRPr kumimoji="0" lang="zh-TW" altLang="en-US" sz="3600" b="0" i="0" u="none" strike="noStrike" kern="1200" cap="none" spc="0" normalizeH="0" baseline="0" noProof="0" dirty="0">
-              <a:ln>
-                <a:noFill/>
-              </a:ln>
-              <a:solidFill>
-                <a:prstClr val="black"/>
-              </a:solidFill>
-              <a:effectLst/>
-              <a:uLnTx/>
-              <a:uFillTx/>
-              <a:latin typeface="微軟正黑體" panose="020B0604030504040204" pitchFamily="34" charset="-120"/>
-              <a:ea typeface="微軟正黑體" panose="020B0604030504040204" pitchFamily="34" charset="-120"/>
-              <a:cs typeface="+mn-cs"/>
-            </a:endParaRPr>
-          </a:p>
-        </p:txBody>
-      </p:sp>
-      <p:pic>
-        <p:nvPicPr>
-          <p:cNvPr id="5" name="圖片 4">
-            <a:extLst>
-              <a:ext uri="{FF2B5EF4-FFF2-40B4-BE49-F238E27FC236}">
-                <a16:creationId xmlns:a16="http://schemas.microsoft.com/office/drawing/2014/main" id="{DE020D29-E78E-8281-5AA3-597753EAAA73}"/>
-              </a:ext>
-            </a:extLst>
-          </p:cNvPr>
-          <p:cNvPicPr>
-            <a:picLocks noChangeAspect="1"/>
-          </p:cNvPicPr>
-          <p:nvPr/>
-        </p:nvPicPr>
-        <p:blipFill>
-          <a:blip r:embed="rId2"/>
-          <a:stretch>
-            <a:fillRect/>
-          </a:stretch>
-        </p:blipFill>
-        <p:spPr>
-          <a:xfrm>
-            <a:off x="897267" y="3194544"/>
-            <a:ext cx="3785643" cy="1559685"/>
-          </a:xfrm>
-          <a:prstGeom prst="rect">
-            <a:avLst/>
-          </a:prstGeom>
-        </p:spPr>
-      </p:pic>
-      <p:pic>
-        <p:nvPicPr>
-          <p:cNvPr id="7" name="圖片 6" descr="一張含有 文字, 字型, 螢幕擷取畫面, 數字 的圖片&#10;&#10;自動產生的描述">
-            <a:extLst>
-              <a:ext uri="{FF2B5EF4-FFF2-40B4-BE49-F238E27FC236}">
-                <a16:creationId xmlns:a16="http://schemas.microsoft.com/office/drawing/2014/main" id="{28D38B23-A87E-9CE3-84BC-BD5353A98CF4}"/>
-              </a:ext>
-            </a:extLst>
-          </p:cNvPr>
-          <p:cNvPicPr>
-            <a:picLocks noChangeAspect="1"/>
-          </p:cNvPicPr>
-          <p:nvPr/>
-        </p:nvPicPr>
-        <p:blipFill>
-          <a:blip r:embed="rId3">
-            <a:extLst>
-              <a:ext uri="{28A0092B-C50C-407E-A947-70E740481C1C}">
-                <a14:useLocalDpi xmlns:a14="http://schemas.microsoft.com/office/drawing/2010/main" val="0"/>
-              </a:ext>
-            </a:extLst>
-          </a:blip>
-          <a:stretch>
-            <a:fillRect/>
-          </a:stretch>
-        </p:blipFill>
-        <p:spPr>
-          <a:xfrm>
-            <a:off x="7134050" y="2613827"/>
-            <a:ext cx="3523789" cy="4075222"/>
-          </a:xfrm>
-          <a:prstGeom prst="rect">
-            <a:avLst/>
-          </a:prstGeom>
-        </p:spPr>
-      </p:pic>
-    </p:spTree>
-    <p:extLst>
-      <p:ext uri="{BB962C8B-B14F-4D97-AF65-F5344CB8AC3E}">
-        <p14:creationId xmlns:p14="http://schemas.microsoft.com/office/powerpoint/2010/main" val="970740957"/>
-      </p:ext>
-    </p:extLst>
-  </p:cSld>
-  <p:clrMapOvr>
-    <a:masterClrMapping/>
-  </p:clrMapOvr>
-</p:sld>
-</file>
-
-<file path=ppt/slides/slide11.xml><?xml version="1.0" encoding="utf-8"?>
-<p:sld xmlns:a="http://schemas.openxmlformats.org/drawingml/2006/main" xmlns:r="http://schemas.openxmlformats.org/officeDocument/2006/relationships" xmlns:p="http://schemas.openxmlformats.org/presentationml/2006/main">
-  <p:cSld>
-    <p:spTree>
-      <p:nvGrpSpPr>
-        <p:cNvPr id="1" name=""/>
-        <p:cNvGrpSpPr/>
-        <p:nvPr/>
-      </p:nvGrpSpPr>
-      <p:grpSpPr>
-        <a:xfrm>
-          <a:off x="0" y="0"/>
-          <a:ext cx="0" cy="0"/>
-          <a:chOff x="0" y="0"/>
-          <a:chExt cx="0" cy="0"/>
-        </a:xfrm>
-      </p:grpSpPr>
-      <p:sp>
-        <p:nvSpPr>
-          <p:cNvPr id="2" name="標題 1">
-            <a:extLst>
-              <a:ext uri="{FF2B5EF4-FFF2-40B4-BE49-F238E27FC236}">
-                <a16:creationId xmlns:a16="http://schemas.microsoft.com/office/drawing/2014/main" id="{9931E958-7D6E-8B57-C1DA-545D7CA6A4CA}"/>
-              </a:ext>
-            </a:extLst>
-          </p:cNvPr>
-          <p:cNvSpPr>
-            <a:spLocks noGrp="1"/>
-          </p:cNvSpPr>
-          <p:nvPr>
-            <p:ph type="title"/>
-          </p:nvPr>
-        </p:nvSpPr>
-        <p:spPr>
-          <a:xfrm>
-            <a:off x="754179" y="365125"/>
-            <a:ext cx="10515600" cy="1325563"/>
-          </a:xfrm>
-        </p:spPr>
-        <p:txBody>
-          <a:bodyPr>
-            <a:normAutofit/>
-          </a:bodyPr>
-          <a:lstStyle/>
-          <a:p>
-            <a:r>
-              <a:rPr lang="zh-TW" altLang="en-US" sz="6000" b="1" i="0" dirty="0">
-                <a:solidFill>
-                  <a:srgbClr val="1F2328"/>
-                </a:solidFill>
-                <a:effectLst/>
-                <a:highlight>
-                  <a:srgbClr val="FFFFFF"/>
-                </a:highlight>
-                <a:latin typeface="微軟正黑體" panose="020B0604030504040204" pitchFamily="34" charset="-120"/>
-                <a:ea typeface="微軟正黑體" panose="020B0604030504040204" pitchFamily="34" charset="-120"/>
-              </a:rPr>
-              <a:t>程式畫面截圖</a:t>
-            </a:r>
-            <a:endParaRPr lang="zh-TW" altLang="en-US" sz="6000" dirty="0">
-              <a:latin typeface="微軟正黑體" panose="020B0604030504040204" pitchFamily="34" charset="-120"/>
-              <a:ea typeface="微軟正黑體" panose="020B0604030504040204" pitchFamily="34" charset="-120"/>
-            </a:endParaRPr>
-          </a:p>
-        </p:txBody>
-      </p:sp>
-      <p:sp>
-        <p:nvSpPr>
-          <p:cNvPr id="10" name="文字方塊 9">
-            <a:extLst>
-              <a:ext uri="{FF2B5EF4-FFF2-40B4-BE49-F238E27FC236}">
-                <a16:creationId xmlns:a16="http://schemas.microsoft.com/office/drawing/2014/main" id="{B153F692-7046-499D-5EC2-D5D142FB759F}"/>
-              </a:ext>
-            </a:extLst>
-          </p:cNvPr>
-          <p:cNvSpPr txBox="1"/>
-          <p:nvPr/>
-        </p:nvSpPr>
-        <p:spPr>
-          <a:xfrm>
             <a:off x="754177" y="1830216"/>
             <a:ext cx="4315663" cy="646331"/>
           </a:xfrm>
@@ -3951,7 +3568,7 @@
 </p:sld>
 </file>
 
-<file path=ppt/slides/slide12.xml><?xml version="1.0" encoding="utf-8"?>
+<file path=ppt/slides/slide11.xml><?xml version="1.0" encoding="utf-8"?>
 <p:sld xmlns:a="http://schemas.openxmlformats.org/drawingml/2006/main" xmlns:r="http://schemas.openxmlformats.org/officeDocument/2006/relationships" xmlns:p="http://schemas.openxmlformats.org/presentationml/2006/main">
   <p:cSld>
     <p:spTree>
@@ -4347,7 +3964,7 @@
 </p:sld>
 </file>
 
-<file path=ppt/slides/slide13.xml><?xml version="1.0" encoding="utf-8"?>
+<file path=ppt/slides/slide12.xml><?xml version="1.0" encoding="utf-8"?>
 <p:sld xmlns:a="http://schemas.openxmlformats.org/drawingml/2006/main" xmlns:r="http://schemas.openxmlformats.org/officeDocument/2006/relationships" xmlns:p="http://schemas.openxmlformats.org/presentationml/2006/main">
   <p:cSld>
     <p:spTree>
@@ -5737,232 +5354,6 @@
           </a:bodyPr>
           <a:lstStyle/>
           <a:p>
-            <a:r>
-              <a:rPr lang="zh-TW" altLang="en-US" sz="3600" b="1" dirty="0">
-                <a:latin typeface="微軟正黑體" panose="020B0604030504040204" pitchFamily="34" charset="-120"/>
-                <a:ea typeface="微軟正黑體" panose="020B0604030504040204" pitchFamily="34" charset="-120"/>
-              </a:rPr>
-              <a:t>輸入數字</a:t>
-            </a:r>
-          </a:p>
-        </p:txBody>
-      </p:sp>
-      <p:sp>
-        <p:nvSpPr>
-          <p:cNvPr id="11" name="文字方塊 10">
-            <a:extLst>
-              <a:ext uri="{FF2B5EF4-FFF2-40B4-BE49-F238E27FC236}">
-                <a16:creationId xmlns:a16="http://schemas.microsoft.com/office/drawing/2014/main" id="{6B5578E6-9EAD-29AA-1D8C-17D7E090AC33}"/>
-              </a:ext>
-            </a:extLst>
-          </p:cNvPr>
-          <p:cNvSpPr txBox="1"/>
-          <p:nvPr/>
-        </p:nvSpPr>
-        <p:spPr>
-          <a:xfrm>
-            <a:off x="7040878" y="1831632"/>
-            <a:ext cx="3877985" cy="646331"/>
-          </a:xfrm>
-          <a:prstGeom prst="rect">
-            <a:avLst/>
-          </a:prstGeom>
-          <a:noFill/>
-        </p:spPr>
-        <p:txBody>
-          <a:bodyPr wrap="none" rtlCol="0">
-            <a:spAutoFit/>
-          </a:bodyPr>
-          <a:lstStyle/>
-          <a:p>
-            <a:r>
-              <a:rPr lang="zh-TW" altLang="en-US" sz="3600" b="1" i="0" dirty="0">
-                <a:solidFill>
-                  <a:srgbClr val="1F2328"/>
-                </a:solidFill>
-                <a:effectLst/>
-                <a:highlight>
-                  <a:srgbClr val="FFFFFF"/>
-                </a:highlight>
-                <a:latin typeface="微軟正黑體" panose="020B0604030504040204" pitchFamily="34" charset="-120"/>
-                <a:ea typeface="微軟正黑體" panose="020B0604030504040204" pitchFamily="34" charset="-120"/>
-              </a:rPr>
-              <a:t>產生挖空後的棋盤</a:t>
-            </a:r>
-            <a:endParaRPr lang="zh-TW" altLang="en-US" sz="3600" dirty="0">
-              <a:latin typeface="微軟正黑體" panose="020B0604030504040204" pitchFamily="34" charset="-120"/>
-              <a:ea typeface="微軟正黑體" panose="020B0604030504040204" pitchFamily="34" charset="-120"/>
-            </a:endParaRPr>
-          </a:p>
-        </p:txBody>
-      </p:sp>
-      <p:pic>
-        <p:nvPicPr>
-          <p:cNvPr id="16" name="圖片 15">
-            <a:extLst>
-              <a:ext uri="{FF2B5EF4-FFF2-40B4-BE49-F238E27FC236}">
-                <a16:creationId xmlns:a16="http://schemas.microsoft.com/office/drawing/2014/main" id="{490BC8E2-A440-085F-E2A0-B064FE0412A2}"/>
-              </a:ext>
-            </a:extLst>
-          </p:cNvPr>
-          <p:cNvPicPr>
-            <a:picLocks noChangeAspect="1"/>
-          </p:cNvPicPr>
-          <p:nvPr/>
-        </p:nvPicPr>
-        <p:blipFill>
-          <a:blip r:embed="rId2"/>
-          <a:stretch>
-            <a:fillRect/>
-          </a:stretch>
-        </p:blipFill>
-        <p:spPr>
-          <a:xfrm>
-            <a:off x="754178" y="2476547"/>
-            <a:ext cx="4016458" cy="1519045"/>
-          </a:xfrm>
-          <a:prstGeom prst="rect">
-            <a:avLst/>
-          </a:prstGeom>
-        </p:spPr>
-      </p:pic>
-      <p:pic>
-        <p:nvPicPr>
-          <p:cNvPr id="18" name="圖片 17">
-            <a:extLst>
-              <a:ext uri="{FF2B5EF4-FFF2-40B4-BE49-F238E27FC236}">
-                <a16:creationId xmlns:a16="http://schemas.microsoft.com/office/drawing/2014/main" id="{7AF4A764-CD96-A1A9-543A-FF30F7980913}"/>
-              </a:ext>
-            </a:extLst>
-          </p:cNvPr>
-          <p:cNvPicPr>
-            <a:picLocks noChangeAspect="1"/>
-          </p:cNvPicPr>
-          <p:nvPr/>
-        </p:nvPicPr>
-        <p:blipFill>
-          <a:blip r:embed="rId3"/>
-          <a:stretch>
-            <a:fillRect/>
-          </a:stretch>
-        </p:blipFill>
-        <p:spPr>
-          <a:xfrm>
-            <a:off x="7192296" y="2551672"/>
-            <a:ext cx="3575147" cy="3941203"/>
-          </a:xfrm>
-          <a:prstGeom prst="rect">
-            <a:avLst/>
-          </a:prstGeom>
-        </p:spPr>
-      </p:pic>
-    </p:spTree>
-    <p:extLst>
-      <p:ext uri="{BB962C8B-B14F-4D97-AF65-F5344CB8AC3E}">
-        <p14:creationId xmlns:p14="http://schemas.microsoft.com/office/powerpoint/2010/main" val="2420827062"/>
-      </p:ext>
-    </p:extLst>
-  </p:cSld>
-  <p:clrMapOvr>
-    <a:masterClrMapping/>
-  </p:clrMapOvr>
-</p:sld>
-</file>
-
-<file path=ppt/slides/slide9.xml><?xml version="1.0" encoding="utf-8"?>
-<p:sld xmlns:a="http://schemas.openxmlformats.org/drawingml/2006/main" xmlns:r="http://schemas.openxmlformats.org/officeDocument/2006/relationships" xmlns:p="http://schemas.openxmlformats.org/presentationml/2006/main">
-  <p:cSld>
-    <p:spTree>
-      <p:nvGrpSpPr>
-        <p:cNvPr id="1" name=""/>
-        <p:cNvGrpSpPr/>
-        <p:nvPr/>
-      </p:nvGrpSpPr>
-      <p:grpSpPr>
-        <a:xfrm>
-          <a:off x="0" y="0"/>
-          <a:ext cx="0" cy="0"/>
-          <a:chOff x="0" y="0"/>
-          <a:chExt cx="0" cy="0"/>
-        </a:xfrm>
-      </p:grpSpPr>
-      <p:sp>
-        <p:nvSpPr>
-          <p:cNvPr id="2" name="標題 1">
-            <a:extLst>
-              <a:ext uri="{FF2B5EF4-FFF2-40B4-BE49-F238E27FC236}">
-                <a16:creationId xmlns:a16="http://schemas.microsoft.com/office/drawing/2014/main" id="{9931E958-7D6E-8B57-C1DA-545D7CA6A4CA}"/>
-              </a:ext>
-            </a:extLst>
-          </p:cNvPr>
-          <p:cNvSpPr>
-            <a:spLocks noGrp="1"/>
-          </p:cNvSpPr>
-          <p:nvPr>
-            <p:ph type="title"/>
-          </p:nvPr>
-        </p:nvSpPr>
-        <p:spPr>
-          <a:xfrm>
-            <a:off x="754179" y="365125"/>
-            <a:ext cx="10515600" cy="1325563"/>
-          </a:xfrm>
-        </p:spPr>
-        <p:txBody>
-          <a:bodyPr>
-            <a:normAutofit/>
-          </a:bodyPr>
-          <a:lstStyle/>
-          <a:p>
-            <a:r>
-              <a:rPr lang="zh-TW" altLang="en-US" sz="6000" b="1" i="0" dirty="0">
-                <a:solidFill>
-                  <a:srgbClr val="1F2328"/>
-                </a:solidFill>
-                <a:effectLst/>
-                <a:highlight>
-                  <a:srgbClr val="FFFFFF"/>
-                </a:highlight>
-                <a:latin typeface="微軟正黑體" panose="020B0604030504040204" pitchFamily="34" charset="-120"/>
-                <a:ea typeface="微軟正黑體" panose="020B0604030504040204" pitchFamily="34" charset="-120"/>
-              </a:rPr>
-              <a:t>程式畫面截圖</a:t>
-            </a:r>
-            <a:endParaRPr lang="zh-TW" altLang="en-US" sz="6000" dirty="0">
-              <a:latin typeface="微軟正黑體" panose="020B0604030504040204" pitchFamily="34" charset="-120"/>
-              <a:ea typeface="微軟正黑體" panose="020B0604030504040204" pitchFamily="34" charset="-120"/>
-            </a:endParaRPr>
-          </a:p>
-        </p:txBody>
-      </p:sp>
-      <p:sp>
-        <p:nvSpPr>
-          <p:cNvPr id="10" name="文字方塊 9">
-            <a:extLst>
-              <a:ext uri="{FF2B5EF4-FFF2-40B4-BE49-F238E27FC236}">
-                <a16:creationId xmlns:a16="http://schemas.microsoft.com/office/drawing/2014/main" id="{B153F692-7046-499D-5EC2-D5D142FB759F}"/>
-              </a:ext>
-            </a:extLst>
-          </p:cNvPr>
-          <p:cNvSpPr txBox="1"/>
-          <p:nvPr/>
-        </p:nvSpPr>
-        <p:spPr>
-          <a:xfrm>
-            <a:off x="754178" y="1830216"/>
-            <a:ext cx="2110942" cy="646331"/>
-          </a:xfrm>
-          <a:prstGeom prst="rect">
-            <a:avLst/>
-          </a:prstGeom>
-          <a:noFill/>
-        </p:spPr>
-        <p:txBody>
-          <a:bodyPr wrap="square" rtlCol="0">
-            <a:spAutoFit/>
-          </a:bodyPr>
-          <a:lstStyle/>
-          <a:p>
             <a:pPr marL="0" marR="0" lvl="0" indent="0" algn="l" defTabSz="457200" rtl="0" eaLnBrk="1" fontAlgn="auto" latinLnBrk="0" hangingPunct="1">
               <a:lnSpc>
                 <a:spcPct val="100000"/>
@@ -6152,6 +5543,388 @@
     <p:extLst>
       <p:ext uri="{BB962C8B-B14F-4D97-AF65-F5344CB8AC3E}">
         <p14:creationId xmlns:p14="http://schemas.microsoft.com/office/powerpoint/2010/main" val="3255962363"/>
+      </p:ext>
+    </p:extLst>
+  </p:cSld>
+  <p:clrMapOvr>
+    <a:masterClrMapping/>
+  </p:clrMapOvr>
+</p:sld>
+</file>
+
+<file path=ppt/slides/slide9.xml><?xml version="1.0" encoding="utf-8"?>
+<p:sld xmlns:a="http://schemas.openxmlformats.org/drawingml/2006/main" xmlns:r="http://schemas.openxmlformats.org/officeDocument/2006/relationships" xmlns:p="http://schemas.openxmlformats.org/presentationml/2006/main">
+  <p:cSld>
+    <p:spTree>
+      <p:nvGrpSpPr>
+        <p:cNvPr id="1" name=""/>
+        <p:cNvGrpSpPr/>
+        <p:nvPr/>
+      </p:nvGrpSpPr>
+      <p:grpSpPr>
+        <a:xfrm>
+          <a:off x="0" y="0"/>
+          <a:ext cx="0" cy="0"/>
+          <a:chOff x="0" y="0"/>
+          <a:chExt cx="0" cy="0"/>
+        </a:xfrm>
+      </p:grpSpPr>
+      <p:sp>
+        <p:nvSpPr>
+          <p:cNvPr id="2" name="標題 1">
+            <a:extLst>
+              <a:ext uri="{FF2B5EF4-FFF2-40B4-BE49-F238E27FC236}">
+                <a16:creationId xmlns:a16="http://schemas.microsoft.com/office/drawing/2014/main" id="{9931E958-7D6E-8B57-C1DA-545D7CA6A4CA}"/>
+              </a:ext>
+            </a:extLst>
+          </p:cNvPr>
+          <p:cNvSpPr>
+            <a:spLocks noGrp="1"/>
+          </p:cNvSpPr>
+          <p:nvPr>
+            <p:ph type="title"/>
+          </p:nvPr>
+        </p:nvSpPr>
+        <p:spPr>
+          <a:xfrm>
+            <a:off x="754179" y="365125"/>
+            <a:ext cx="10515600" cy="1325563"/>
+          </a:xfrm>
+        </p:spPr>
+        <p:txBody>
+          <a:bodyPr>
+            <a:normAutofit/>
+          </a:bodyPr>
+          <a:lstStyle/>
+          <a:p>
+            <a:r>
+              <a:rPr lang="zh-TW" altLang="en-US" sz="6000" b="1" i="0" dirty="0">
+                <a:solidFill>
+                  <a:srgbClr val="1F2328"/>
+                </a:solidFill>
+                <a:effectLst/>
+                <a:highlight>
+                  <a:srgbClr val="FFFFFF"/>
+                </a:highlight>
+                <a:latin typeface="微軟正黑體" panose="020B0604030504040204" pitchFamily="34" charset="-120"/>
+                <a:ea typeface="微軟正黑體" panose="020B0604030504040204" pitchFamily="34" charset="-120"/>
+              </a:rPr>
+              <a:t>程式畫面截圖</a:t>
+            </a:r>
+            <a:endParaRPr lang="zh-TW" altLang="en-US" sz="6000" dirty="0">
+              <a:latin typeface="微軟正黑體" panose="020B0604030504040204" pitchFamily="34" charset="-120"/>
+              <a:ea typeface="微軟正黑體" panose="020B0604030504040204" pitchFamily="34" charset="-120"/>
+            </a:endParaRPr>
+          </a:p>
+        </p:txBody>
+      </p:sp>
+      <p:sp>
+        <p:nvSpPr>
+          <p:cNvPr id="10" name="文字方塊 9">
+            <a:extLst>
+              <a:ext uri="{FF2B5EF4-FFF2-40B4-BE49-F238E27FC236}">
+                <a16:creationId xmlns:a16="http://schemas.microsoft.com/office/drawing/2014/main" id="{B153F692-7046-499D-5EC2-D5D142FB759F}"/>
+              </a:ext>
+            </a:extLst>
+          </p:cNvPr>
+          <p:cNvSpPr txBox="1"/>
+          <p:nvPr/>
+        </p:nvSpPr>
+        <p:spPr>
+          <a:xfrm>
+            <a:off x="754178" y="1830216"/>
+            <a:ext cx="4071822" cy="1200329"/>
+          </a:xfrm>
+          <a:prstGeom prst="rect">
+            <a:avLst/>
+          </a:prstGeom>
+          <a:noFill/>
+        </p:spPr>
+        <p:txBody>
+          <a:bodyPr wrap="square" rtlCol="0">
+            <a:spAutoFit/>
+          </a:bodyPr>
+          <a:lstStyle/>
+          <a:p>
+            <a:pPr marL="0" marR="0" lvl="0" indent="0" algn="l" defTabSz="457200" rtl="0" eaLnBrk="1" fontAlgn="auto" latinLnBrk="0" hangingPunct="1">
+              <a:lnSpc>
+                <a:spcPct val="100000"/>
+              </a:lnSpc>
+              <a:spcBef>
+                <a:spcPts val="0"/>
+              </a:spcBef>
+              <a:spcAft>
+                <a:spcPts val="0"/>
+              </a:spcAft>
+              <a:buClrTx/>
+              <a:buSzTx/>
+              <a:buFontTx/>
+              <a:buNone/>
+              <a:tabLst/>
+              <a:defRPr/>
+            </a:pPr>
+            <a:r>
+              <a:rPr kumimoji="0" lang="zh-TW" altLang="en-US" sz="3600" b="1" i="0" u="none" strike="noStrike" kern="1200" cap="none" spc="0" normalizeH="0" baseline="0" noProof="0" dirty="0">
+                <a:ln>
+                  <a:noFill/>
+                </a:ln>
+                <a:solidFill>
+                  <a:prstClr val="black"/>
+                </a:solidFill>
+                <a:effectLst/>
+                <a:uLnTx/>
+                <a:uFillTx/>
+                <a:latin typeface="微軟正黑體" panose="020B0604030504040204" pitchFamily="34" charset="-120"/>
+                <a:ea typeface="微軟正黑體" panose="020B0604030504040204" pitchFamily="34" charset="-120"/>
+                <a:cs typeface="+mn-cs"/>
+              </a:rPr>
+              <a:t>輸入要修改的數字</a:t>
+            </a:r>
+            <a:endParaRPr kumimoji="0" lang="en-US" altLang="zh-TW" sz="3600" b="1" i="0" u="none" strike="noStrike" kern="1200" cap="none" spc="0" normalizeH="0" baseline="0" noProof="0" dirty="0">
+              <a:ln>
+                <a:noFill/>
+              </a:ln>
+              <a:solidFill>
+                <a:prstClr val="black"/>
+              </a:solidFill>
+              <a:effectLst/>
+              <a:uLnTx/>
+              <a:uFillTx/>
+              <a:latin typeface="微軟正黑體" panose="020B0604030504040204" pitchFamily="34" charset="-120"/>
+              <a:ea typeface="微軟正黑體" panose="020B0604030504040204" pitchFamily="34" charset="-120"/>
+              <a:cs typeface="+mn-cs"/>
+            </a:endParaRPr>
+          </a:p>
+          <a:p>
+            <a:pPr marL="0" marR="0" lvl="0" indent="0" algn="l" defTabSz="457200" rtl="0" eaLnBrk="1" fontAlgn="auto" latinLnBrk="0" hangingPunct="1">
+              <a:lnSpc>
+                <a:spcPct val="100000"/>
+              </a:lnSpc>
+              <a:spcBef>
+                <a:spcPts val="0"/>
+              </a:spcBef>
+              <a:spcAft>
+                <a:spcPts val="0"/>
+              </a:spcAft>
+              <a:buClrTx/>
+              <a:buSzTx/>
+              <a:buFontTx/>
+              <a:buNone/>
+              <a:tabLst/>
+              <a:defRPr/>
+            </a:pPr>
+            <a:r>
+              <a:rPr lang="en-US" altLang="zh-TW" sz="3600" b="1" dirty="0">
+                <a:solidFill>
+                  <a:prstClr val="black"/>
+                </a:solidFill>
+                <a:latin typeface="微軟正黑體" panose="020B0604030504040204" pitchFamily="34" charset="-120"/>
+                <a:ea typeface="微軟正黑體" panose="020B0604030504040204" pitchFamily="34" charset="-120"/>
+              </a:rPr>
+              <a:t>(</a:t>
+            </a:r>
+            <a:r>
+              <a:rPr lang="zh-TW" altLang="en-US" sz="3600" b="1" dirty="0">
+                <a:solidFill>
+                  <a:prstClr val="black"/>
+                </a:solidFill>
+                <a:latin typeface="微軟正黑體" panose="020B0604030504040204" pitchFamily="34" charset="-120"/>
+                <a:ea typeface="微軟正黑體" panose="020B0604030504040204" pitchFamily="34" charset="-120"/>
+              </a:rPr>
+              <a:t>行 列 修改的數字</a:t>
+            </a:r>
+            <a:r>
+              <a:rPr lang="en-US" altLang="zh-TW" sz="3600" b="1" dirty="0">
+                <a:solidFill>
+                  <a:prstClr val="black"/>
+                </a:solidFill>
+                <a:latin typeface="微軟正黑體" panose="020B0604030504040204" pitchFamily="34" charset="-120"/>
+                <a:ea typeface="微軟正黑體" panose="020B0604030504040204" pitchFamily="34" charset="-120"/>
+              </a:rPr>
+              <a:t>)</a:t>
+            </a:r>
+            <a:endParaRPr kumimoji="0" lang="zh-TW" altLang="en-US" sz="3600" b="1" i="0" u="none" strike="noStrike" kern="1200" cap="none" spc="0" normalizeH="0" baseline="0" noProof="0" dirty="0">
+              <a:ln>
+                <a:noFill/>
+              </a:ln>
+              <a:solidFill>
+                <a:prstClr val="black"/>
+              </a:solidFill>
+              <a:effectLst/>
+              <a:uLnTx/>
+              <a:uFillTx/>
+              <a:latin typeface="微軟正黑體" panose="020B0604030504040204" pitchFamily="34" charset="-120"/>
+              <a:ea typeface="微軟正黑體" panose="020B0604030504040204" pitchFamily="34" charset="-120"/>
+              <a:cs typeface="+mn-cs"/>
+            </a:endParaRPr>
+          </a:p>
+        </p:txBody>
+      </p:sp>
+      <p:sp>
+        <p:nvSpPr>
+          <p:cNvPr id="11" name="文字方塊 10">
+            <a:extLst>
+              <a:ext uri="{FF2B5EF4-FFF2-40B4-BE49-F238E27FC236}">
+                <a16:creationId xmlns:a16="http://schemas.microsoft.com/office/drawing/2014/main" id="{6B5578E6-9EAD-29AA-1D8C-17D7E090AC33}"/>
+              </a:ext>
+            </a:extLst>
+          </p:cNvPr>
+          <p:cNvSpPr txBox="1"/>
+          <p:nvPr/>
+        </p:nvSpPr>
+        <p:spPr>
+          <a:xfrm>
+            <a:off x="7040878" y="1831632"/>
+            <a:ext cx="2954655" cy="646331"/>
+          </a:xfrm>
+          <a:prstGeom prst="rect">
+            <a:avLst/>
+          </a:prstGeom>
+          <a:noFill/>
+        </p:spPr>
+        <p:txBody>
+          <a:bodyPr wrap="none" rtlCol="0">
+            <a:spAutoFit/>
+          </a:bodyPr>
+          <a:lstStyle/>
+          <a:p>
+            <a:pPr marL="0" marR="0" lvl="0" indent="0" algn="l" defTabSz="457200" rtl="0" eaLnBrk="1" fontAlgn="auto" latinLnBrk="0" hangingPunct="1">
+              <a:lnSpc>
+                <a:spcPct val="100000"/>
+              </a:lnSpc>
+              <a:spcBef>
+                <a:spcPts val="0"/>
+              </a:spcBef>
+              <a:spcAft>
+                <a:spcPts val="0"/>
+              </a:spcAft>
+              <a:buClrTx/>
+              <a:buSzTx/>
+              <a:buFontTx/>
+              <a:buNone/>
+              <a:tabLst/>
+              <a:defRPr/>
+            </a:pPr>
+            <a:r>
+              <a:rPr lang="zh-TW" altLang="en-US" sz="3600" b="1" dirty="0">
+                <a:solidFill>
+                  <a:srgbClr val="1F2328"/>
+                </a:solidFill>
+                <a:highlight>
+                  <a:srgbClr val="FFFFFF"/>
+                </a:highlight>
+                <a:latin typeface="微軟正黑體" panose="020B0604030504040204" pitchFamily="34" charset="-120"/>
+                <a:ea typeface="微軟正黑體" panose="020B0604030504040204" pitchFamily="34" charset="-120"/>
+              </a:rPr>
+              <a:t>填</a:t>
+            </a:r>
+            <a:r>
+              <a:rPr kumimoji="0" lang="zh-TW" altLang="en-US" sz="3600" b="1" i="0" u="none" strike="noStrike" kern="1200" cap="none" spc="0" normalizeH="0" baseline="0" noProof="0" dirty="0">
+                <a:ln>
+                  <a:noFill/>
+                </a:ln>
+                <a:solidFill>
+                  <a:srgbClr val="1F2328"/>
+                </a:solidFill>
+                <a:effectLst/>
+                <a:highlight>
+                  <a:srgbClr val="FFFFFF"/>
+                </a:highlight>
+                <a:uLnTx/>
+                <a:uFillTx/>
+                <a:latin typeface="微軟正黑體" panose="020B0604030504040204" pitchFamily="34" charset="-120"/>
+                <a:ea typeface="微軟正黑體" panose="020B0604030504040204" pitchFamily="34" charset="-120"/>
+                <a:cs typeface="+mn-cs"/>
+              </a:rPr>
+              <a:t>空後的棋盤</a:t>
+            </a:r>
+            <a:endParaRPr kumimoji="0" lang="zh-TW" altLang="en-US" sz="3600" b="0" i="0" u="none" strike="noStrike" kern="1200" cap="none" spc="0" normalizeH="0" baseline="0" noProof="0" dirty="0">
+              <a:ln>
+                <a:noFill/>
+              </a:ln>
+              <a:solidFill>
+                <a:prstClr val="black"/>
+              </a:solidFill>
+              <a:effectLst/>
+              <a:uLnTx/>
+              <a:uFillTx/>
+              <a:latin typeface="微軟正黑體" panose="020B0604030504040204" pitchFamily="34" charset="-120"/>
+              <a:ea typeface="微軟正黑體" panose="020B0604030504040204" pitchFamily="34" charset="-120"/>
+              <a:cs typeface="+mn-cs"/>
+            </a:endParaRPr>
+          </a:p>
+        </p:txBody>
+      </p:sp>
+      <p:pic>
+        <p:nvPicPr>
+          <p:cNvPr id="5" name="圖片 4">
+            <a:extLst>
+              <a:ext uri="{FF2B5EF4-FFF2-40B4-BE49-F238E27FC236}">
+                <a16:creationId xmlns:a16="http://schemas.microsoft.com/office/drawing/2014/main" id="{DE020D29-E78E-8281-5AA3-597753EAAA73}"/>
+              </a:ext>
+            </a:extLst>
+          </p:cNvPr>
+          <p:cNvPicPr>
+            <a:picLocks noChangeAspect="1"/>
+          </p:cNvPicPr>
+          <p:nvPr/>
+        </p:nvPicPr>
+        <p:blipFill>
+          <a:blip r:embed="rId2"/>
+          <a:stretch>
+            <a:fillRect/>
+          </a:stretch>
+        </p:blipFill>
+        <p:spPr>
+          <a:xfrm>
+            <a:off x="897267" y="3194544"/>
+            <a:ext cx="3785643" cy="1559685"/>
+          </a:xfrm>
+          <a:prstGeom prst="rect">
+            <a:avLst/>
+          </a:prstGeom>
+        </p:spPr>
+      </p:pic>
+      <p:pic>
+        <p:nvPicPr>
+          <p:cNvPr id="7" name="圖片 6" descr="一張含有 文字, 字型, 螢幕擷取畫面, 數字 的圖片&#10;&#10;自動產生的描述">
+            <a:extLst>
+              <a:ext uri="{FF2B5EF4-FFF2-40B4-BE49-F238E27FC236}">
+                <a16:creationId xmlns:a16="http://schemas.microsoft.com/office/drawing/2014/main" id="{28D38B23-A87E-9CE3-84BC-BD5353A98CF4}"/>
+              </a:ext>
+            </a:extLst>
+          </p:cNvPr>
+          <p:cNvPicPr>
+            <a:picLocks noChangeAspect="1"/>
+          </p:cNvPicPr>
+          <p:nvPr/>
+        </p:nvPicPr>
+        <p:blipFill>
+          <a:blip r:embed="rId3">
+            <a:extLst>
+              <a:ext uri="{28A0092B-C50C-407E-A947-70E740481C1C}">
+                <a14:useLocalDpi xmlns:a14="http://schemas.microsoft.com/office/drawing/2010/main" val="0"/>
+              </a:ext>
+            </a:extLst>
+          </a:blip>
+          <a:stretch>
+            <a:fillRect/>
+          </a:stretch>
+        </p:blipFill>
+        <p:spPr>
+          <a:xfrm>
+            <a:off x="7134050" y="2613827"/>
+            <a:ext cx="3523789" cy="4075222"/>
+          </a:xfrm>
+          <a:prstGeom prst="rect">
+            <a:avLst/>
+          </a:prstGeom>
+        </p:spPr>
+      </p:pic>
+    </p:spTree>
+    <p:extLst>
+      <p:ext uri="{BB962C8B-B14F-4D97-AF65-F5344CB8AC3E}">
+        <p14:creationId xmlns:p14="http://schemas.microsoft.com/office/powerpoint/2010/main" val="970740957"/>
       </p:ext>
     </p:extLst>
   </p:cSld>

--- a/數獨.pptx
+++ b/數獨.pptx
@@ -5209,8 +5209,8 @@
         </p:blipFill>
         <p:spPr>
           <a:xfrm>
-            <a:off x="313569" y="1838103"/>
-            <a:ext cx="5454504" cy="3181794"/>
+            <a:off x="6232233" y="1767312"/>
+            <a:ext cx="5697212" cy="3323374"/>
           </a:xfrm>
           <a:prstGeom prst="rect">
             <a:avLst/>
@@ -5239,8 +5239,8 @@
         </p:blipFill>
         <p:spPr>
           <a:xfrm>
-            <a:off x="6576466" y="1508331"/>
-            <a:ext cx="5301965" cy="3841337"/>
+            <a:off x="388885" y="1365150"/>
+            <a:ext cx="5697212" cy="4127698"/>
           </a:xfrm>
           <a:prstGeom prst="rect">
             <a:avLst/>
